--- a/ppt/00_題目練習.pptx
+++ b/ppt/00_題目練習.pptx
@@ -5,14 +5,19 @@
     <p:sldMasterId id="2147483736" r:id="rId1"/>
   </p:sldMasterIdLst>
   <p:notesMasterIdLst>
-    <p:notesMasterId r:id="rId4"/>
+    <p:notesMasterId r:id="rId9"/>
   </p:notesMasterIdLst>
   <p:handoutMasterIdLst>
-    <p:handoutMasterId r:id="rId5"/>
+    <p:handoutMasterId r:id="rId10"/>
   </p:handoutMasterIdLst>
   <p:sldIdLst>
     <p:sldId id="256" r:id="rId2"/>
-    <p:sldId id="257" r:id="rId3"/>
+    <p:sldId id="262" r:id="rId3"/>
+    <p:sldId id="263" r:id="rId4"/>
+    <p:sldId id="258" r:id="rId5"/>
+    <p:sldId id="259" r:id="rId6"/>
+    <p:sldId id="260" r:id="rId7"/>
+    <p:sldId id="261" r:id="rId8"/>
   </p:sldIdLst>
   <p:sldSz cx="12192000" cy="6858000"/>
   <p:notesSz cx="6858000" cy="9144000"/>
@@ -216,7 +221,7 @@
           <a:p>
             <a:fld id="{6DB9B646-6129-41D1-8AB5-8E35212AF5DA}" type="datetimeFigureOut">
               <a:rPr lang="zh-TW" altLang="en-US" smtClean="0"/>
-              <a:t>2024/8/28</a:t>
+              <a:t>2024/9/7</a:t>
             </a:fld>
             <a:endParaRPr lang="zh-TW" altLang="en-US"/>
           </a:p>
@@ -393,7 +398,7 @@
           <a:p>
             <a:fld id="{52A4E84E-8F40-4D17-BD17-C3A91A072D9D}" type="datetimeFigureOut">
               <a:rPr lang="zh-TW" altLang="en-US" smtClean="0"/>
-              <a:t>2024/8/28</a:t>
+              <a:t>2024/9/7</a:t>
             </a:fld>
             <a:endParaRPr lang="zh-TW" altLang="en-US"/>
           </a:p>
@@ -6117,7 +6122,7 @@
           <p:cNvPr id="2" name="標題 1">
             <a:extLst>
               <a:ext uri="{FF2B5EF4-FFF2-40B4-BE49-F238E27FC236}">
-                <a16:creationId xmlns:a16="http://schemas.microsoft.com/office/drawing/2014/main" id="{8C6FB0F6-ADCA-482B-AD8B-64BA94D886B4}"/>
+                <a16:creationId xmlns:a16="http://schemas.microsoft.com/office/drawing/2014/main" id="{EC9DD8A5-F881-4D01-95D1-BFBD7B56656D}"/>
               </a:ext>
             </a:extLst>
           </p:cNvPr>
@@ -6133,7 +6138,10 @@
           <a:bodyPr/>
           <a:lstStyle/>
           <a:p>
-            <a:endParaRPr lang="zh-TW" altLang="en-US"/>
+            <a:r>
+              <a:rPr lang="zh-TW" altLang="en-US"/>
+              <a:t>題目練習</a:t>
+            </a:r>
           </a:p>
         </p:txBody>
       </p:sp>
@@ -6142,7 +6150,7 @@
           <p:cNvPr id="3" name="內容版面配置區 2">
             <a:extLst>
               <a:ext uri="{FF2B5EF4-FFF2-40B4-BE49-F238E27FC236}">
-                <a16:creationId xmlns:a16="http://schemas.microsoft.com/office/drawing/2014/main" id="{842020A8-0655-49B3-BC59-24FA3D6C6CD9}"/>
+                <a16:creationId xmlns:a16="http://schemas.microsoft.com/office/drawing/2014/main" id="{736CC637-2F96-48F1-8D83-0ADEF187011D}"/>
               </a:ext>
             </a:extLst>
           </p:cNvPr>
@@ -6158,14 +6166,3039 @@
           <a:bodyPr/>
           <a:lstStyle/>
           <a:p>
-            <a:endParaRPr lang="zh-TW" altLang="en-US"/>
+            <a:r>
+              <a:rPr lang="zh-TW" altLang="en-US"/>
+              <a:t>題目請至 </a:t>
+            </a:r>
+            <a:r>
+              <a:rPr lang="en-US" altLang="zh-TW"/>
+              <a:t>Online Judge </a:t>
+            </a:r>
+            <a:r>
+              <a:rPr lang="zh-TW" altLang="en-US"/>
+              <a:t>查看</a:t>
+            </a:r>
+            <a:endParaRPr lang="en-US" altLang="zh-TW"/>
+          </a:p>
+          <a:p>
+            <a:r>
+              <a:rPr lang="zh-TW" altLang="en-US"/>
+              <a:t>投影片皆只有解答程式碼</a:t>
+            </a:r>
           </a:p>
         </p:txBody>
       </p:sp>
     </p:spTree>
     <p:extLst>
       <p:ext uri="{BB962C8B-B14F-4D97-AF65-F5344CB8AC3E}">
-        <p14:creationId xmlns:p14="http://schemas.microsoft.com/office/powerpoint/2010/main" val="1036144396"/>
+        <p14:creationId xmlns:p14="http://schemas.microsoft.com/office/powerpoint/2010/main" val="2970288436"/>
+      </p:ext>
+    </p:extLst>
+  </p:cSld>
+  <p:clrMapOvr>
+    <a:masterClrMapping/>
+  </p:clrMapOvr>
+  <p:transition spd="slow">
+    <p:push dir="u"/>
+  </p:transition>
+</p:sld>
+</file>
+
+<file path=ppt/slides/slide3.xml><?xml version="1.0" encoding="utf-8"?>
+<p:sld xmlns:a="http://schemas.openxmlformats.org/drawingml/2006/main" xmlns:r="http://schemas.openxmlformats.org/officeDocument/2006/relationships" xmlns:p="http://schemas.openxmlformats.org/presentationml/2006/main">
+  <p:cSld>
+    <p:spTree>
+      <p:nvGrpSpPr>
+        <p:cNvPr id="1" name=""/>
+        <p:cNvGrpSpPr/>
+        <p:nvPr/>
+      </p:nvGrpSpPr>
+      <p:grpSpPr>
+        <a:xfrm>
+          <a:off x="0" y="0"/>
+          <a:ext cx="0" cy="0"/>
+          <a:chOff x="0" y="0"/>
+          <a:chExt cx="0" cy="0"/>
+        </a:xfrm>
+      </p:grpSpPr>
+      <p:sp>
+        <p:nvSpPr>
+          <p:cNvPr id="2" name="標題 1">
+            <a:extLst>
+              <a:ext uri="{FF2B5EF4-FFF2-40B4-BE49-F238E27FC236}">
+                <a16:creationId xmlns:a16="http://schemas.microsoft.com/office/drawing/2014/main" id="{1A7F2496-3384-44C1-9501-F3345916B41E}"/>
+              </a:ext>
+            </a:extLst>
+          </p:cNvPr>
+          <p:cNvSpPr>
+            <a:spLocks noGrp="1"/>
+          </p:cNvSpPr>
+          <p:nvPr>
+            <p:ph type="title"/>
+          </p:nvPr>
+        </p:nvSpPr>
+        <p:spPr/>
+        <p:txBody>
+          <a:bodyPr/>
+          <a:lstStyle/>
+          <a:p>
+            <a:r>
+              <a:rPr lang="en-US" altLang="zh-TW"/>
+              <a:t>001</a:t>
+            </a:r>
+            <a:endParaRPr lang="zh-TW" altLang="en-US"/>
+          </a:p>
+        </p:txBody>
+      </p:sp>
+      <p:sp>
+        <p:nvSpPr>
+          <p:cNvPr id="3" name="內容版面配置區 2">
+            <a:extLst>
+              <a:ext uri="{FF2B5EF4-FFF2-40B4-BE49-F238E27FC236}">
+                <a16:creationId xmlns:a16="http://schemas.microsoft.com/office/drawing/2014/main" id="{8C5E868A-2EA7-4C7C-B8DA-9146FD1E7E19}"/>
+              </a:ext>
+            </a:extLst>
+          </p:cNvPr>
+          <p:cNvSpPr>
+            <a:spLocks noGrp="1"/>
+          </p:cNvSpPr>
+          <p:nvPr>
+            <p:ph idx="1"/>
+          </p:nvPr>
+        </p:nvSpPr>
+        <p:spPr/>
+        <p:txBody>
+          <a:bodyPr/>
+          <a:lstStyle/>
+          <a:p>
+            <a:r>
+              <a:rPr lang="zh-TW" altLang="en-US"/>
+              <a:t>略</a:t>
+            </a:r>
+          </a:p>
+        </p:txBody>
+      </p:sp>
+    </p:spTree>
+    <p:extLst>
+      <p:ext uri="{BB962C8B-B14F-4D97-AF65-F5344CB8AC3E}">
+        <p14:creationId xmlns:p14="http://schemas.microsoft.com/office/powerpoint/2010/main" val="2720411670"/>
+      </p:ext>
+    </p:extLst>
+  </p:cSld>
+  <p:clrMapOvr>
+    <a:masterClrMapping/>
+  </p:clrMapOvr>
+  <p:transition spd="slow">
+    <p:push dir="u"/>
+  </p:transition>
+</p:sld>
+</file>
+
+<file path=ppt/slides/slide4.xml><?xml version="1.0" encoding="utf-8"?>
+<p:sld xmlns:a="http://schemas.openxmlformats.org/drawingml/2006/main" xmlns:r="http://schemas.openxmlformats.org/officeDocument/2006/relationships" xmlns:p="http://schemas.openxmlformats.org/presentationml/2006/main">
+  <p:cSld>
+    <p:spTree>
+      <p:nvGrpSpPr>
+        <p:cNvPr id="1" name=""/>
+        <p:cNvGrpSpPr/>
+        <p:nvPr/>
+      </p:nvGrpSpPr>
+      <p:grpSpPr>
+        <a:xfrm>
+          <a:off x="0" y="0"/>
+          <a:ext cx="0" cy="0"/>
+          <a:chOff x="0" y="0"/>
+          <a:chExt cx="0" cy="0"/>
+        </a:xfrm>
+      </p:grpSpPr>
+      <p:sp>
+        <p:nvSpPr>
+          <p:cNvPr id="2" name="標題 1">
+            <a:extLst>
+              <a:ext uri="{FF2B5EF4-FFF2-40B4-BE49-F238E27FC236}">
+                <a16:creationId xmlns:a16="http://schemas.microsoft.com/office/drawing/2014/main" id="{E11BC3C0-C5D0-4D72-9BBB-618F39C53FA5}"/>
+              </a:ext>
+            </a:extLst>
+          </p:cNvPr>
+          <p:cNvSpPr>
+            <a:spLocks noGrp="1"/>
+          </p:cNvSpPr>
+          <p:nvPr>
+            <p:ph type="title"/>
+          </p:nvPr>
+        </p:nvSpPr>
+        <p:spPr/>
+        <p:txBody>
+          <a:bodyPr/>
+          <a:lstStyle/>
+          <a:p>
+            <a:r>
+              <a:rPr lang="en-US" altLang="zh-TW"/>
+              <a:t>002</a:t>
+            </a:r>
+            <a:endParaRPr lang="zh-TW" altLang="en-US"/>
+          </a:p>
+        </p:txBody>
+      </p:sp>
+      <p:sp>
+        <p:nvSpPr>
+          <p:cNvPr id="4" name="Rectangle 1">
+            <a:extLst>
+              <a:ext uri="{FF2B5EF4-FFF2-40B4-BE49-F238E27FC236}">
+                <a16:creationId xmlns:a16="http://schemas.microsoft.com/office/drawing/2014/main" id="{18EAA35D-999E-4ED2-9896-8B50FD2B8210}"/>
+              </a:ext>
+            </a:extLst>
+          </p:cNvPr>
+          <p:cNvSpPr>
+            <a:spLocks noChangeArrowheads="1"/>
+          </p:cNvSpPr>
+          <p:nvPr/>
+        </p:nvSpPr>
+        <p:spPr bwMode="auto">
+          <a:xfrm>
+            <a:off x="1173017" y="1825625"/>
+            <a:ext cx="9845965" cy="4401205"/>
+          </a:xfrm>
+          <a:prstGeom prst="rect">
+            <a:avLst/>
+          </a:prstGeom>
+          <a:solidFill>
+            <a:srgbClr val="1E1F22"/>
+          </a:solidFill>
+          <a:ln>
+            <a:noFill/>
+          </a:ln>
+          <a:effectLst/>
+          <a:extLst>
+            <a:ext uri="{91240B29-F687-4F45-9708-019B960494DF}">
+              <a14:hiddenLine xmlns:a14="http://schemas.microsoft.com/office/drawing/2010/main" w="9525">
+                <a:solidFill>
+                  <a:schemeClr val="tx1"/>
+                </a:solidFill>
+                <a:miter lim="800000"/>
+                <a:headEnd/>
+                <a:tailEnd/>
+              </a14:hiddenLine>
+            </a:ext>
+            <a:ext uri="{AF507438-7753-43E0-B8FC-AC1667EBCBE1}">
+              <a14:hiddenEffects xmlns:a14="http://schemas.microsoft.com/office/drawing/2010/main">
+                <a:effectLst>
+                  <a:outerShdw dist="35921" dir="2700000" algn="ctr" rotWithShape="0">
+                    <a:schemeClr val="bg2"/>
+                  </a:outerShdw>
+                </a:effectLst>
+              </a14:hiddenEffects>
+            </a:ext>
+          </a:extLst>
+        </p:spPr>
+        <p:txBody>
+          <a:bodyPr vert="horz" wrap="none" lIns="91440" tIns="45720" rIns="91440" bIns="45720" numCol="1" anchor="ctr" anchorCtr="0" compatLnSpc="1">
+            <a:prstTxWarp prst="textNoShape">
+              <a:avLst/>
+            </a:prstTxWarp>
+            <a:spAutoFit/>
+          </a:bodyPr>
+          <a:lstStyle/>
+          <a:p>
+            <a:pPr marL="0" marR="0" lvl="0" indent="0" algn="l" defTabSz="914400" rtl="0" eaLnBrk="0" fontAlgn="base" latinLnBrk="0" hangingPunct="0">
+              <a:lnSpc>
+                <a:spcPct val="100000"/>
+              </a:lnSpc>
+              <a:spcBef>
+                <a:spcPct val="0"/>
+              </a:spcBef>
+              <a:spcAft>
+                <a:spcPct val="0"/>
+              </a:spcAft>
+              <a:buClrTx/>
+              <a:buSzTx/>
+              <a:buFontTx/>
+              <a:buNone/>
+              <a:tabLst/>
+            </a:pPr>
+            <a:r>
+              <a:rPr kumimoji="0" lang="zh-TW" altLang="zh-TW" sz="2800" b="0" i="0" u="none" strike="noStrike" cap="none" normalizeH="0" baseline="0">
+                <a:ln>
+                  <a:noFill/>
+                </a:ln>
+                <a:solidFill>
+                  <a:srgbClr val="CF8E6D"/>
+                </a:solidFill>
+                <a:effectLst/>
+                <a:latin typeface="+mj-lt"/>
+                <a:cs typeface="JetBrains Mono" panose="02000009000000000000" pitchFamily="49" charset="0"/>
+              </a:rPr>
+              <a:t>import </a:t>
+            </a:r>
+            <a:r>
+              <a:rPr kumimoji="0" lang="zh-TW" altLang="zh-TW" sz="2800" b="0" i="0" u="none" strike="noStrike" cap="none" normalizeH="0" baseline="0">
+                <a:ln>
+                  <a:noFill/>
+                </a:ln>
+                <a:solidFill>
+                  <a:srgbClr val="BCBEC4"/>
+                </a:solidFill>
+                <a:effectLst/>
+                <a:latin typeface="+mj-lt"/>
+                <a:cs typeface="JetBrains Mono" panose="02000009000000000000" pitchFamily="49" charset="0"/>
+              </a:rPr>
+              <a:t>java.util.Scanner;</a:t>
+            </a:r>
+            <a:br>
+              <a:rPr kumimoji="0" lang="zh-TW" altLang="zh-TW" sz="2800" b="0" i="0" u="none" strike="noStrike" cap="none" normalizeH="0" baseline="0">
+                <a:ln>
+                  <a:noFill/>
+                </a:ln>
+                <a:solidFill>
+                  <a:srgbClr val="BCBEC4"/>
+                </a:solidFill>
+                <a:effectLst/>
+                <a:latin typeface="+mj-lt"/>
+                <a:cs typeface="JetBrains Mono" panose="02000009000000000000" pitchFamily="49" charset="0"/>
+              </a:rPr>
+            </a:br>
+            <a:br>
+              <a:rPr kumimoji="0" lang="zh-TW" altLang="zh-TW" sz="2800" b="0" i="0" u="none" strike="noStrike" cap="none" normalizeH="0" baseline="0">
+                <a:ln>
+                  <a:noFill/>
+                </a:ln>
+                <a:solidFill>
+                  <a:srgbClr val="BCBEC4"/>
+                </a:solidFill>
+                <a:effectLst/>
+                <a:latin typeface="+mj-lt"/>
+                <a:cs typeface="JetBrains Mono" panose="02000009000000000000" pitchFamily="49" charset="0"/>
+              </a:rPr>
+            </a:br>
+            <a:r>
+              <a:rPr kumimoji="0" lang="zh-TW" altLang="zh-TW" sz="2800" b="0" i="0" u="none" strike="noStrike" cap="none" normalizeH="0" baseline="0">
+                <a:ln>
+                  <a:noFill/>
+                </a:ln>
+                <a:solidFill>
+                  <a:srgbClr val="CF8E6D"/>
+                </a:solidFill>
+                <a:effectLst/>
+                <a:latin typeface="+mj-lt"/>
+                <a:cs typeface="JetBrains Mono" panose="02000009000000000000" pitchFamily="49" charset="0"/>
+              </a:rPr>
+              <a:t>public class </a:t>
+            </a:r>
+            <a:r>
+              <a:rPr kumimoji="0" lang="zh-TW" altLang="zh-TW" sz="2800" b="0" i="0" u="none" strike="noStrike" cap="none" normalizeH="0" baseline="0">
+                <a:ln>
+                  <a:noFill/>
+                </a:ln>
+                <a:solidFill>
+                  <a:srgbClr val="BCBEC4"/>
+                </a:solidFill>
+                <a:effectLst/>
+                <a:latin typeface="+mj-lt"/>
+                <a:cs typeface="JetBrains Mono" panose="02000009000000000000" pitchFamily="49" charset="0"/>
+              </a:rPr>
+              <a:t>Main {</a:t>
+            </a:r>
+            <a:br>
+              <a:rPr kumimoji="0" lang="zh-TW" altLang="zh-TW" sz="2800" b="0" i="0" u="none" strike="noStrike" cap="none" normalizeH="0" baseline="0">
+                <a:ln>
+                  <a:noFill/>
+                </a:ln>
+                <a:solidFill>
+                  <a:srgbClr val="BCBEC4"/>
+                </a:solidFill>
+                <a:effectLst/>
+                <a:latin typeface="+mj-lt"/>
+                <a:cs typeface="JetBrains Mono" panose="02000009000000000000" pitchFamily="49" charset="0"/>
+              </a:rPr>
+            </a:br>
+            <a:r>
+              <a:rPr kumimoji="0" lang="zh-TW" altLang="zh-TW" sz="2800" b="0" i="0" u="none" strike="noStrike" cap="none" normalizeH="0" baseline="0">
+                <a:ln>
+                  <a:noFill/>
+                </a:ln>
+                <a:solidFill>
+                  <a:srgbClr val="BCBEC4"/>
+                </a:solidFill>
+                <a:effectLst/>
+                <a:latin typeface="+mj-lt"/>
+                <a:cs typeface="JetBrains Mono" panose="02000009000000000000" pitchFamily="49" charset="0"/>
+              </a:rPr>
+              <a:t>    </a:t>
+            </a:r>
+            <a:r>
+              <a:rPr kumimoji="0" lang="zh-TW" altLang="zh-TW" sz="2800" b="0" i="0" u="none" strike="noStrike" cap="none" normalizeH="0" baseline="0">
+                <a:ln>
+                  <a:noFill/>
+                </a:ln>
+                <a:solidFill>
+                  <a:srgbClr val="CF8E6D"/>
+                </a:solidFill>
+                <a:effectLst/>
+                <a:latin typeface="+mj-lt"/>
+                <a:cs typeface="JetBrains Mono" panose="02000009000000000000" pitchFamily="49" charset="0"/>
+              </a:rPr>
+              <a:t>public static void </a:t>
+            </a:r>
+            <a:r>
+              <a:rPr kumimoji="0" lang="zh-TW" altLang="zh-TW" sz="2800" b="0" i="0" u="none" strike="noStrike" cap="none" normalizeH="0" baseline="0">
+                <a:ln>
+                  <a:noFill/>
+                </a:ln>
+                <a:solidFill>
+                  <a:srgbClr val="56A8F5"/>
+                </a:solidFill>
+                <a:effectLst/>
+                <a:latin typeface="+mj-lt"/>
+                <a:cs typeface="JetBrains Mono" panose="02000009000000000000" pitchFamily="49" charset="0"/>
+              </a:rPr>
+              <a:t>main</a:t>
+            </a:r>
+            <a:r>
+              <a:rPr kumimoji="0" lang="zh-TW" altLang="zh-TW" sz="2800" b="0" i="0" u="none" strike="noStrike" cap="none" normalizeH="0" baseline="0">
+                <a:ln>
+                  <a:noFill/>
+                </a:ln>
+                <a:solidFill>
+                  <a:srgbClr val="BCBEC4"/>
+                </a:solidFill>
+                <a:effectLst/>
+                <a:latin typeface="+mj-lt"/>
+                <a:cs typeface="JetBrains Mono" panose="02000009000000000000" pitchFamily="49" charset="0"/>
+              </a:rPr>
+              <a:t>(String[] args) {</a:t>
+            </a:r>
+            <a:br>
+              <a:rPr kumimoji="0" lang="zh-TW" altLang="zh-TW" sz="2800" b="0" i="0" u="none" strike="noStrike" cap="none" normalizeH="0" baseline="0">
+                <a:ln>
+                  <a:noFill/>
+                </a:ln>
+                <a:solidFill>
+                  <a:srgbClr val="BCBEC4"/>
+                </a:solidFill>
+                <a:effectLst/>
+                <a:latin typeface="+mj-lt"/>
+                <a:cs typeface="JetBrains Mono" panose="02000009000000000000" pitchFamily="49" charset="0"/>
+              </a:rPr>
+            </a:br>
+            <a:r>
+              <a:rPr kumimoji="0" lang="zh-TW" altLang="zh-TW" sz="2800" b="0" i="0" u="none" strike="noStrike" cap="none" normalizeH="0" baseline="0">
+                <a:ln>
+                  <a:noFill/>
+                </a:ln>
+                <a:solidFill>
+                  <a:srgbClr val="BCBEC4"/>
+                </a:solidFill>
+                <a:effectLst/>
+                <a:latin typeface="+mj-lt"/>
+                <a:cs typeface="JetBrains Mono" panose="02000009000000000000" pitchFamily="49" charset="0"/>
+              </a:rPr>
+              <a:t>        Scanner scanner = </a:t>
+            </a:r>
+            <a:r>
+              <a:rPr kumimoji="0" lang="zh-TW" altLang="zh-TW" sz="2800" b="0" i="0" u="none" strike="noStrike" cap="none" normalizeH="0" baseline="0">
+                <a:ln>
+                  <a:noFill/>
+                </a:ln>
+                <a:solidFill>
+                  <a:srgbClr val="CF8E6D"/>
+                </a:solidFill>
+                <a:effectLst/>
+                <a:latin typeface="+mj-lt"/>
+                <a:cs typeface="JetBrains Mono" panose="02000009000000000000" pitchFamily="49" charset="0"/>
+              </a:rPr>
+              <a:t>new </a:t>
+            </a:r>
+            <a:r>
+              <a:rPr kumimoji="0" lang="zh-TW" altLang="zh-TW" sz="2800" b="0" i="0" u="none" strike="noStrike" cap="none" normalizeH="0" baseline="0">
+                <a:ln>
+                  <a:noFill/>
+                </a:ln>
+                <a:solidFill>
+                  <a:srgbClr val="BCBEC4"/>
+                </a:solidFill>
+                <a:effectLst/>
+                <a:latin typeface="+mj-lt"/>
+                <a:cs typeface="JetBrains Mono" panose="02000009000000000000" pitchFamily="49" charset="0"/>
+              </a:rPr>
+              <a:t>Scanner(System.in);</a:t>
+            </a:r>
+            <a:br>
+              <a:rPr kumimoji="0" lang="zh-TW" altLang="zh-TW" sz="2800" b="0" i="0" u="none" strike="noStrike" cap="none" normalizeH="0" baseline="0">
+                <a:ln>
+                  <a:noFill/>
+                </a:ln>
+                <a:solidFill>
+                  <a:srgbClr val="BCBEC4"/>
+                </a:solidFill>
+                <a:effectLst/>
+                <a:latin typeface="+mj-lt"/>
+                <a:cs typeface="JetBrains Mono" panose="02000009000000000000" pitchFamily="49" charset="0"/>
+              </a:rPr>
+            </a:br>
+            <a:r>
+              <a:rPr kumimoji="0" lang="zh-TW" altLang="zh-TW" sz="2800" b="0" i="0" u="none" strike="noStrike" cap="none" normalizeH="0" baseline="0">
+                <a:ln>
+                  <a:noFill/>
+                </a:ln>
+                <a:solidFill>
+                  <a:srgbClr val="BCBEC4"/>
+                </a:solidFill>
+                <a:effectLst/>
+                <a:latin typeface="+mj-lt"/>
+                <a:cs typeface="JetBrains Mono" panose="02000009000000000000" pitchFamily="49" charset="0"/>
+              </a:rPr>
+              <a:t>        </a:t>
+            </a:r>
+            <a:r>
+              <a:rPr kumimoji="0" lang="zh-TW" altLang="zh-TW" sz="2800" b="0" i="0" u="none" strike="noStrike" cap="none" normalizeH="0" baseline="0">
+                <a:ln>
+                  <a:noFill/>
+                </a:ln>
+                <a:solidFill>
+                  <a:srgbClr val="CF8E6D"/>
+                </a:solidFill>
+                <a:effectLst/>
+                <a:latin typeface="+mj-lt"/>
+                <a:cs typeface="JetBrains Mono" panose="02000009000000000000" pitchFamily="49" charset="0"/>
+              </a:rPr>
+              <a:t>int </a:t>
+            </a:r>
+            <a:r>
+              <a:rPr kumimoji="0" lang="zh-TW" altLang="zh-TW" sz="2800" b="0" i="0" u="none" strike="noStrike" cap="none" normalizeH="0" baseline="0">
+                <a:ln>
+                  <a:noFill/>
+                </a:ln>
+                <a:solidFill>
+                  <a:srgbClr val="BCBEC4"/>
+                </a:solidFill>
+                <a:effectLst/>
+                <a:latin typeface="+mj-lt"/>
+                <a:cs typeface="JetBrains Mono" panose="02000009000000000000" pitchFamily="49" charset="0"/>
+              </a:rPr>
+              <a:t>a = scanner.nextInt();</a:t>
+            </a:r>
+            <a:br>
+              <a:rPr kumimoji="0" lang="zh-TW" altLang="zh-TW" sz="2800" b="0" i="0" u="none" strike="noStrike" cap="none" normalizeH="0" baseline="0">
+                <a:ln>
+                  <a:noFill/>
+                </a:ln>
+                <a:solidFill>
+                  <a:srgbClr val="BCBEC4"/>
+                </a:solidFill>
+                <a:effectLst/>
+                <a:latin typeface="+mj-lt"/>
+                <a:cs typeface="JetBrains Mono" panose="02000009000000000000" pitchFamily="49" charset="0"/>
+              </a:rPr>
+            </a:br>
+            <a:r>
+              <a:rPr kumimoji="0" lang="zh-TW" altLang="zh-TW" sz="2800" b="0" i="0" u="none" strike="noStrike" cap="none" normalizeH="0" baseline="0">
+                <a:ln>
+                  <a:noFill/>
+                </a:ln>
+                <a:solidFill>
+                  <a:srgbClr val="BCBEC4"/>
+                </a:solidFill>
+                <a:effectLst/>
+                <a:latin typeface="+mj-lt"/>
+                <a:cs typeface="JetBrains Mono" panose="02000009000000000000" pitchFamily="49" charset="0"/>
+              </a:rPr>
+              <a:t>        </a:t>
+            </a:r>
+            <a:r>
+              <a:rPr kumimoji="0" lang="zh-TW" altLang="zh-TW" sz="2800" b="0" i="0" u="none" strike="noStrike" cap="none" normalizeH="0" baseline="0">
+                <a:ln>
+                  <a:noFill/>
+                </a:ln>
+                <a:solidFill>
+                  <a:srgbClr val="CF8E6D"/>
+                </a:solidFill>
+                <a:effectLst/>
+                <a:latin typeface="+mj-lt"/>
+                <a:cs typeface="JetBrains Mono" panose="02000009000000000000" pitchFamily="49" charset="0"/>
+              </a:rPr>
+              <a:t>int </a:t>
+            </a:r>
+            <a:r>
+              <a:rPr kumimoji="0" lang="zh-TW" altLang="zh-TW" sz="2800" b="0" i="0" u="none" strike="noStrike" cap="none" normalizeH="0" baseline="0">
+                <a:ln>
+                  <a:noFill/>
+                </a:ln>
+                <a:solidFill>
+                  <a:srgbClr val="BCBEC4"/>
+                </a:solidFill>
+                <a:effectLst/>
+                <a:latin typeface="+mj-lt"/>
+                <a:cs typeface="JetBrains Mono" panose="02000009000000000000" pitchFamily="49" charset="0"/>
+              </a:rPr>
+              <a:t>b = scanner.nextInt();</a:t>
+            </a:r>
+            <a:br>
+              <a:rPr kumimoji="0" lang="zh-TW" altLang="zh-TW" sz="2800" b="0" i="0" u="none" strike="noStrike" cap="none" normalizeH="0" baseline="0">
+                <a:ln>
+                  <a:noFill/>
+                </a:ln>
+                <a:solidFill>
+                  <a:srgbClr val="BCBEC4"/>
+                </a:solidFill>
+                <a:effectLst/>
+                <a:latin typeface="+mj-lt"/>
+                <a:cs typeface="JetBrains Mono" panose="02000009000000000000" pitchFamily="49" charset="0"/>
+              </a:rPr>
+            </a:br>
+            <a:r>
+              <a:rPr kumimoji="0" lang="zh-TW" altLang="zh-TW" sz="2800" b="0" i="0" u="none" strike="noStrike" cap="none" normalizeH="0" baseline="0">
+                <a:ln>
+                  <a:noFill/>
+                </a:ln>
+                <a:solidFill>
+                  <a:srgbClr val="BCBEC4"/>
+                </a:solidFill>
+                <a:effectLst/>
+                <a:latin typeface="+mj-lt"/>
+                <a:cs typeface="JetBrains Mono" panose="02000009000000000000" pitchFamily="49" charset="0"/>
+              </a:rPr>
+              <a:t>        System.out.println(a + b);</a:t>
+            </a:r>
+            <a:br>
+              <a:rPr kumimoji="0" lang="zh-TW" altLang="zh-TW" sz="2800" b="0" i="0" u="none" strike="noStrike" cap="none" normalizeH="0" baseline="0">
+                <a:ln>
+                  <a:noFill/>
+                </a:ln>
+                <a:solidFill>
+                  <a:srgbClr val="BCBEC4"/>
+                </a:solidFill>
+                <a:effectLst/>
+                <a:latin typeface="+mj-lt"/>
+                <a:cs typeface="JetBrains Mono" panose="02000009000000000000" pitchFamily="49" charset="0"/>
+              </a:rPr>
+            </a:br>
+            <a:r>
+              <a:rPr kumimoji="0" lang="zh-TW" altLang="zh-TW" sz="2800" b="0" i="0" u="none" strike="noStrike" cap="none" normalizeH="0" baseline="0">
+                <a:ln>
+                  <a:noFill/>
+                </a:ln>
+                <a:solidFill>
+                  <a:srgbClr val="BCBEC4"/>
+                </a:solidFill>
+                <a:effectLst/>
+                <a:latin typeface="+mj-lt"/>
+                <a:cs typeface="JetBrains Mono" panose="02000009000000000000" pitchFamily="49" charset="0"/>
+              </a:rPr>
+              <a:t>    }</a:t>
+            </a:r>
+            <a:br>
+              <a:rPr kumimoji="0" lang="zh-TW" altLang="zh-TW" sz="2800" b="0" i="0" u="none" strike="noStrike" cap="none" normalizeH="0" baseline="0">
+                <a:ln>
+                  <a:noFill/>
+                </a:ln>
+                <a:solidFill>
+                  <a:srgbClr val="BCBEC4"/>
+                </a:solidFill>
+                <a:effectLst/>
+                <a:latin typeface="+mj-lt"/>
+                <a:cs typeface="JetBrains Mono" panose="02000009000000000000" pitchFamily="49" charset="0"/>
+              </a:rPr>
+            </a:br>
+            <a:r>
+              <a:rPr kumimoji="0" lang="zh-TW" altLang="zh-TW" sz="2800" b="0" i="0" u="none" strike="noStrike" cap="none" normalizeH="0" baseline="0">
+                <a:ln>
+                  <a:noFill/>
+                </a:ln>
+                <a:solidFill>
+                  <a:srgbClr val="BCBEC4"/>
+                </a:solidFill>
+                <a:effectLst/>
+                <a:latin typeface="+mj-lt"/>
+                <a:cs typeface="JetBrains Mono" panose="02000009000000000000" pitchFamily="49" charset="0"/>
+              </a:rPr>
+              <a:t>}</a:t>
+            </a:r>
+            <a:endParaRPr kumimoji="0" lang="zh-TW" altLang="zh-TW" sz="3600" b="0" i="0" u="none" strike="noStrike" cap="none" normalizeH="0" baseline="0">
+              <a:ln>
+                <a:noFill/>
+              </a:ln>
+              <a:solidFill>
+                <a:schemeClr val="tx1"/>
+              </a:solidFill>
+              <a:effectLst/>
+              <a:latin typeface="+mj-lt"/>
+            </a:endParaRPr>
+          </a:p>
+        </p:txBody>
+      </p:sp>
+    </p:spTree>
+    <p:extLst>
+      <p:ext uri="{BB962C8B-B14F-4D97-AF65-F5344CB8AC3E}">
+        <p14:creationId xmlns:p14="http://schemas.microsoft.com/office/powerpoint/2010/main" val="1229703172"/>
+      </p:ext>
+    </p:extLst>
+  </p:cSld>
+  <p:clrMapOvr>
+    <a:masterClrMapping/>
+  </p:clrMapOvr>
+  <p:transition spd="slow">
+    <p:push dir="u"/>
+  </p:transition>
+</p:sld>
+</file>
+
+<file path=ppt/slides/slide5.xml><?xml version="1.0" encoding="utf-8"?>
+<p:sld xmlns:a="http://schemas.openxmlformats.org/drawingml/2006/main" xmlns:r="http://schemas.openxmlformats.org/officeDocument/2006/relationships" xmlns:p="http://schemas.openxmlformats.org/presentationml/2006/main">
+  <p:cSld>
+    <p:spTree>
+      <p:nvGrpSpPr>
+        <p:cNvPr id="1" name=""/>
+        <p:cNvGrpSpPr/>
+        <p:nvPr/>
+      </p:nvGrpSpPr>
+      <p:grpSpPr>
+        <a:xfrm>
+          <a:off x="0" y="0"/>
+          <a:ext cx="0" cy="0"/>
+          <a:chOff x="0" y="0"/>
+          <a:chExt cx="0" cy="0"/>
+        </a:xfrm>
+      </p:grpSpPr>
+      <p:sp>
+        <p:nvSpPr>
+          <p:cNvPr id="2" name="標題 1">
+            <a:extLst>
+              <a:ext uri="{FF2B5EF4-FFF2-40B4-BE49-F238E27FC236}">
+                <a16:creationId xmlns:a16="http://schemas.microsoft.com/office/drawing/2014/main" id="{623F1B44-1047-450E-9133-40DE77070ED4}"/>
+              </a:ext>
+            </a:extLst>
+          </p:cNvPr>
+          <p:cNvSpPr>
+            <a:spLocks noGrp="1"/>
+          </p:cNvSpPr>
+          <p:nvPr>
+            <p:ph type="title"/>
+          </p:nvPr>
+        </p:nvSpPr>
+        <p:spPr/>
+        <p:txBody>
+          <a:bodyPr/>
+          <a:lstStyle/>
+          <a:p>
+            <a:r>
+              <a:rPr lang="en-US" altLang="zh-TW"/>
+              <a:t>003</a:t>
+            </a:r>
+            <a:endParaRPr lang="zh-TW" altLang="en-US"/>
+          </a:p>
+        </p:txBody>
+      </p:sp>
+      <p:sp>
+        <p:nvSpPr>
+          <p:cNvPr id="4" name="Rectangle 1">
+            <a:extLst>
+              <a:ext uri="{FF2B5EF4-FFF2-40B4-BE49-F238E27FC236}">
+                <a16:creationId xmlns:a16="http://schemas.microsoft.com/office/drawing/2014/main" id="{312A7B87-B800-4E85-922A-D78A1108D2D0}"/>
+              </a:ext>
+            </a:extLst>
+          </p:cNvPr>
+          <p:cNvSpPr>
+            <a:spLocks noChangeArrowheads="1"/>
+          </p:cNvSpPr>
+          <p:nvPr/>
+        </p:nvSpPr>
+        <p:spPr bwMode="auto">
+          <a:xfrm>
+            <a:off x="3254517" y="1538755"/>
+            <a:ext cx="5682966" cy="4770537"/>
+          </a:xfrm>
+          <a:prstGeom prst="rect">
+            <a:avLst/>
+          </a:prstGeom>
+          <a:solidFill>
+            <a:srgbClr val="1E1F22"/>
+          </a:solidFill>
+          <a:ln>
+            <a:noFill/>
+          </a:ln>
+          <a:effectLst/>
+          <a:extLst>
+            <a:ext uri="{91240B29-F687-4F45-9708-019B960494DF}">
+              <a14:hiddenLine xmlns:a14="http://schemas.microsoft.com/office/drawing/2010/main" w="9525">
+                <a:solidFill>
+                  <a:schemeClr val="tx1"/>
+                </a:solidFill>
+                <a:miter lim="800000"/>
+                <a:headEnd/>
+                <a:tailEnd/>
+              </a14:hiddenLine>
+            </a:ext>
+            <a:ext uri="{AF507438-7753-43E0-B8FC-AC1667EBCBE1}">
+              <a14:hiddenEffects xmlns:a14="http://schemas.microsoft.com/office/drawing/2010/main">
+                <a:effectLst>
+                  <a:outerShdw dist="35921" dir="2700000" algn="ctr" rotWithShape="0">
+                    <a:schemeClr val="bg2"/>
+                  </a:outerShdw>
+                </a:effectLst>
+              </a14:hiddenEffects>
+            </a:ext>
+          </a:extLst>
+        </p:spPr>
+        <p:txBody>
+          <a:bodyPr vert="horz" wrap="none" lIns="91440" tIns="45720" rIns="91440" bIns="45720" numCol="1" anchor="ctr" anchorCtr="0" compatLnSpc="1">
+            <a:prstTxWarp prst="textNoShape">
+              <a:avLst/>
+            </a:prstTxWarp>
+            <a:spAutoFit/>
+          </a:bodyPr>
+          <a:lstStyle/>
+          <a:p>
+            <a:pPr marL="0" marR="0" lvl="0" indent="0" algn="l" defTabSz="914400" rtl="0" eaLnBrk="0" fontAlgn="base" latinLnBrk="0" hangingPunct="0">
+              <a:lnSpc>
+                <a:spcPct val="100000"/>
+              </a:lnSpc>
+              <a:spcBef>
+                <a:spcPct val="0"/>
+              </a:spcBef>
+              <a:spcAft>
+                <a:spcPct val="0"/>
+              </a:spcAft>
+              <a:buClrTx/>
+              <a:buSzTx/>
+              <a:buFontTx/>
+              <a:buNone/>
+              <a:tabLst/>
+            </a:pPr>
+            <a:r>
+              <a:rPr kumimoji="0" lang="zh-TW" altLang="zh-TW" sz="1600" b="0" i="0" u="none" strike="noStrike" cap="none" normalizeH="0" baseline="0">
+                <a:ln>
+                  <a:noFill/>
+                </a:ln>
+                <a:solidFill>
+                  <a:srgbClr val="CF8E6D"/>
+                </a:solidFill>
+                <a:effectLst/>
+                <a:latin typeface="+mj-lt"/>
+                <a:cs typeface="JetBrains Mono" panose="02000009000000000000" pitchFamily="49" charset="0"/>
+              </a:rPr>
+              <a:t>import </a:t>
+            </a:r>
+            <a:r>
+              <a:rPr kumimoji="0" lang="zh-TW" altLang="zh-TW" sz="1600" b="0" i="0" u="none" strike="noStrike" cap="none" normalizeH="0" baseline="0">
+                <a:ln>
+                  <a:noFill/>
+                </a:ln>
+                <a:solidFill>
+                  <a:srgbClr val="BCBEC4"/>
+                </a:solidFill>
+                <a:effectLst/>
+                <a:latin typeface="+mj-lt"/>
+                <a:cs typeface="JetBrains Mono" panose="02000009000000000000" pitchFamily="49" charset="0"/>
+              </a:rPr>
+              <a:t>java.util.Scanner;</a:t>
+            </a:r>
+            <a:br>
+              <a:rPr kumimoji="0" lang="zh-TW" altLang="zh-TW" sz="1600" b="0" i="0" u="none" strike="noStrike" cap="none" normalizeH="0" baseline="0">
+                <a:ln>
+                  <a:noFill/>
+                </a:ln>
+                <a:solidFill>
+                  <a:srgbClr val="BCBEC4"/>
+                </a:solidFill>
+                <a:effectLst/>
+                <a:latin typeface="+mj-lt"/>
+                <a:cs typeface="JetBrains Mono" panose="02000009000000000000" pitchFamily="49" charset="0"/>
+              </a:rPr>
+            </a:br>
+            <a:br>
+              <a:rPr kumimoji="0" lang="zh-TW" altLang="zh-TW" sz="1600" b="0" i="0" u="none" strike="noStrike" cap="none" normalizeH="0" baseline="0">
+                <a:ln>
+                  <a:noFill/>
+                </a:ln>
+                <a:solidFill>
+                  <a:srgbClr val="BCBEC4"/>
+                </a:solidFill>
+                <a:effectLst/>
+                <a:latin typeface="+mj-lt"/>
+                <a:cs typeface="JetBrains Mono" panose="02000009000000000000" pitchFamily="49" charset="0"/>
+              </a:rPr>
+            </a:br>
+            <a:r>
+              <a:rPr kumimoji="0" lang="zh-TW" altLang="zh-TW" sz="1600" b="0" i="0" u="none" strike="noStrike" cap="none" normalizeH="0" baseline="0">
+                <a:ln>
+                  <a:noFill/>
+                </a:ln>
+                <a:solidFill>
+                  <a:srgbClr val="CF8E6D"/>
+                </a:solidFill>
+                <a:effectLst/>
+                <a:latin typeface="+mj-lt"/>
+                <a:cs typeface="JetBrains Mono" panose="02000009000000000000" pitchFamily="49" charset="0"/>
+              </a:rPr>
+              <a:t>public class </a:t>
+            </a:r>
+            <a:r>
+              <a:rPr kumimoji="0" lang="zh-TW" altLang="zh-TW" sz="1600" b="0" i="0" u="none" strike="noStrike" cap="none" normalizeH="0" baseline="0">
+                <a:ln>
+                  <a:noFill/>
+                </a:ln>
+                <a:solidFill>
+                  <a:srgbClr val="BCBEC4"/>
+                </a:solidFill>
+                <a:effectLst/>
+                <a:latin typeface="+mj-lt"/>
+                <a:cs typeface="JetBrains Mono" panose="02000009000000000000" pitchFamily="49" charset="0"/>
+              </a:rPr>
+              <a:t>Main {</a:t>
+            </a:r>
+            <a:br>
+              <a:rPr kumimoji="0" lang="zh-TW" altLang="zh-TW" sz="1600" b="0" i="0" u="none" strike="noStrike" cap="none" normalizeH="0" baseline="0">
+                <a:ln>
+                  <a:noFill/>
+                </a:ln>
+                <a:solidFill>
+                  <a:srgbClr val="BCBEC4"/>
+                </a:solidFill>
+                <a:effectLst/>
+                <a:latin typeface="+mj-lt"/>
+                <a:cs typeface="JetBrains Mono" panose="02000009000000000000" pitchFamily="49" charset="0"/>
+              </a:rPr>
+            </a:br>
+            <a:r>
+              <a:rPr kumimoji="0" lang="zh-TW" altLang="zh-TW" sz="1600" b="0" i="0" u="none" strike="noStrike" cap="none" normalizeH="0" baseline="0">
+                <a:ln>
+                  <a:noFill/>
+                </a:ln>
+                <a:solidFill>
+                  <a:srgbClr val="BCBEC4"/>
+                </a:solidFill>
+                <a:effectLst/>
+                <a:latin typeface="+mj-lt"/>
+                <a:cs typeface="JetBrains Mono" panose="02000009000000000000" pitchFamily="49" charset="0"/>
+              </a:rPr>
+              <a:t>    </a:t>
+            </a:r>
+            <a:r>
+              <a:rPr kumimoji="0" lang="zh-TW" altLang="zh-TW" sz="1600" b="0" i="0" u="none" strike="noStrike" cap="none" normalizeH="0" baseline="0">
+                <a:ln>
+                  <a:noFill/>
+                </a:ln>
+                <a:solidFill>
+                  <a:srgbClr val="CF8E6D"/>
+                </a:solidFill>
+                <a:effectLst/>
+                <a:latin typeface="+mj-lt"/>
+                <a:cs typeface="JetBrains Mono" panose="02000009000000000000" pitchFamily="49" charset="0"/>
+              </a:rPr>
+              <a:t>public static void </a:t>
+            </a:r>
+            <a:r>
+              <a:rPr kumimoji="0" lang="zh-TW" altLang="zh-TW" sz="1600" b="0" i="0" u="none" strike="noStrike" cap="none" normalizeH="0" baseline="0">
+                <a:ln>
+                  <a:noFill/>
+                </a:ln>
+                <a:solidFill>
+                  <a:srgbClr val="56A8F5"/>
+                </a:solidFill>
+                <a:effectLst/>
+                <a:latin typeface="+mj-lt"/>
+                <a:cs typeface="JetBrains Mono" panose="02000009000000000000" pitchFamily="49" charset="0"/>
+              </a:rPr>
+              <a:t>main</a:t>
+            </a:r>
+            <a:r>
+              <a:rPr kumimoji="0" lang="zh-TW" altLang="zh-TW" sz="1600" b="0" i="0" u="none" strike="noStrike" cap="none" normalizeH="0" baseline="0">
+                <a:ln>
+                  <a:noFill/>
+                </a:ln>
+                <a:solidFill>
+                  <a:srgbClr val="BCBEC4"/>
+                </a:solidFill>
+                <a:effectLst/>
+                <a:latin typeface="+mj-lt"/>
+                <a:cs typeface="JetBrains Mono" panose="02000009000000000000" pitchFamily="49" charset="0"/>
+              </a:rPr>
+              <a:t>(String[] args) {</a:t>
+            </a:r>
+            <a:br>
+              <a:rPr kumimoji="0" lang="zh-TW" altLang="zh-TW" sz="1600" b="0" i="0" u="none" strike="noStrike" cap="none" normalizeH="0" baseline="0">
+                <a:ln>
+                  <a:noFill/>
+                </a:ln>
+                <a:solidFill>
+                  <a:srgbClr val="BCBEC4"/>
+                </a:solidFill>
+                <a:effectLst/>
+                <a:latin typeface="+mj-lt"/>
+                <a:cs typeface="JetBrains Mono" panose="02000009000000000000" pitchFamily="49" charset="0"/>
+              </a:rPr>
+            </a:br>
+            <a:r>
+              <a:rPr kumimoji="0" lang="zh-TW" altLang="zh-TW" sz="1600" b="0" i="0" u="none" strike="noStrike" cap="none" normalizeH="0" baseline="0">
+                <a:ln>
+                  <a:noFill/>
+                </a:ln>
+                <a:solidFill>
+                  <a:srgbClr val="BCBEC4"/>
+                </a:solidFill>
+                <a:effectLst/>
+                <a:latin typeface="+mj-lt"/>
+                <a:cs typeface="JetBrains Mono" panose="02000009000000000000" pitchFamily="49" charset="0"/>
+              </a:rPr>
+              <a:t>        Scanner scanner = </a:t>
+            </a:r>
+            <a:r>
+              <a:rPr kumimoji="0" lang="zh-TW" altLang="zh-TW" sz="1600" b="0" i="0" u="none" strike="noStrike" cap="none" normalizeH="0" baseline="0">
+                <a:ln>
+                  <a:noFill/>
+                </a:ln>
+                <a:solidFill>
+                  <a:srgbClr val="CF8E6D"/>
+                </a:solidFill>
+                <a:effectLst/>
+                <a:latin typeface="+mj-lt"/>
+                <a:cs typeface="JetBrains Mono" panose="02000009000000000000" pitchFamily="49" charset="0"/>
+              </a:rPr>
+              <a:t>new </a:t>
+            </a:r>
+            <a:r>
+              <a:rPr kumimoji="0" lang="zh-TW" altLang="zh-TW" sz="1600" b="0" i="0" u="none" strike="noStrike" cap="none" normalizeH="0" baseline="0">
+                <a:ln>
+                  <a:noFill/>
+                </a:ln>
+                <a:solidFill>
+                  <a:srgbClr val="BCBEC4"/>
+                </a:solidFill>
+                <a:effectLst/>
+                <a:latin typeface="+mj-lt"/>
+                <a:cs typeface="JetBrains Mono" panose="02000009000000000000" pitchFamily="49" charset="0"/>
+              </a:rPr>
+              <a:t>Scanner(System.</a:t>
+            </a:r>
+            <a:r>
+              <a:rPr kumimoji="0" lang="zh-TW" altLang="zh-TW" sz="1600" b="0" i="1" u="none" strike="noStrike" cap="none" normalizeH="0" baseline="0">
+                <a:ln>
+                  <a:noFill/>
+                </a:ln>
+                <a:solidFill>
+                  <a:srgbClr val="C77DBB"/>
+                </a:solidFill>
+                <a:effectLst/>
+                <a:latin typeface="+mj-lt"/>
+                <a:cs typeface="JetBrains Mono" panose="02000009000000000000" pitchFamily="49" charset="0"/>
+              </a:rPr>
+              <a:t>in</a:t>
+            </a:r>
+            <a:r>
+              <a:rPr kumimoji="0" lang="zh-TW" altLang="zh-TW" sz="1600" b="0" i="0" u="none" strike="noStrike" cap="none" normalizeH="0" baseline="0">
+                <a:ln>
+                  <a:noFill/>
+                </a:ln>
+                <a:solidFill>
+                  <a:srgbClr val="BCBEC4"/>
+                </a:solidFill>
+                <a:effectLst/>
+                <a:latin typeface="+mj-lt"/>
+                <a:cs typeface="JetBrains Mono" panose="02000009000000000000" pitchFamily="49" charset="0"/>
+              </a:rPr>
+              <a:t>);</a:t>
+            </a:r>
+            <a:br>
+              <a:rPr kumimoji="0" lang="zh-TW" altLang="zh-TW" sz="1600" b="0" i="0" u="none" strike="noStrike" cap="none" normalizeH="0" baseline="0">
+                <a:ln>
+                  <a:noFill/>
+                </a:ln>
+                <a:solidFill>
+                  <a:srgbClr val="BCBEC4"/>
+                </a:solidFill>
+                <a:effectLst/>
+                <a:latin typeface="+mj-lt"/>
+                <a:cs typeface="JetBrains Mono" panose="02000009000000000000" pitchFamily="49" charset="0"/>
+              </a:rPr>
+            </a:br>
+            <a:r>
+              <a:rPr kumimoji="0" lang="zh-TW" altLang="zh-TW" sz="1600" b="0" i="0" u="none" strike="noStrike" cap="none" normalizeH="0" baseline="0">
+                <a:ln>
+                  <a:noFill/>
+                </a:ln>
+                <a:solidFill>
+                  <a:srgbClr val="BCBEC4"/>
+                </a:solidFill>
+                <a:effectLst/>
+                <a:latin typeface="+mj-lt"/>
+                <a:cs typeface="JetBrains Mono" panose="02000009000000000000" pitchFamily="49" charset="0"/>
+              </a:rPr>
+              <a:t>        </a:t>
+            </a:r>
+            <a:r>
+              <a:rPr kumimoji="0" lang="zh-TW" altLang="zh-TW" sz="1600" b="0" i="0" u="none" strike="noStrike" cap="none" normalizeH="0" baseline="0">
+                <a:ln>
+                  <a:noFill/>
+                </a:ln>
+                <a:solidFill>
+                  <a:srgbClr val="CF8E6D"/>
+                </a:solidFill>
+                <a:effectLst/>
+                <a:latin typeface="+mj-lt"/>
+                <a:cs typeface="JetBrains Mono" panose="02000009000000000000" pitchFamily="49" charset="0"/>
+              </a:rPr>
+              <a:t>int </a:t>
+            </a:r>
+            <a:r>
+              <a:rPr kumimoji="0" lang="zh-TW" altLang="zh-TW" sz="1600" b="0" i="0" u="none" strike="noStrike" cap="none" normalizeH="0" baseline="0">
+                <a:ln>
+                  <a:noFill/>
+                </a:ln>
+                <a:solidFill>
+                  <a:srgbClr val="BCBEC4"/>
+                </a:solidFill>
+                <a:effectLst/>
+                <a:latin typeface="+mj-lt"/>
+                <a:cs typeface="JetBrains Mono" panose="02000009000000000000" pitchFamily="49" charset="0"/>
+              </a:rPr>
+              <a:t>a = scanner.nextInt();</a:t>
+            </a:r>
+            <a:br>
+              <a:rPr kumimoji="0" lang="zh-TW" altLang="zh-TW" sz="1600" b="0" i="0" u="none" strike="noStrike" cap="none" normalizeH="0" baseline="0">
+                <a:ln>
+                  <a:noFill/>
+                </a:ln>
+                <a:solidFill>
+                  <a:srgbClr val="BCBEC4"/>
+                </a:solidFill>
+                <a:effectLst/>
+                <a:latin typeface="+mj-lt"/>
+                <a:cs typeface="JetBrains Mono" panose="02000009000000000000" pitchFamily="49" charset="0"/>
+              </a:rPr>
+            </a:br>
+            <a:r>
+              <a:rPr kumimoji="0" lang="zh-TW" altLang="zh-TW" sz="1600" b="0" i="0" u="none" strike="noStrike" cap="none" normalizeH="0" baseline="0">
+                <a:ln>
+                  <a:noFill/>
+                </a:ln>
+                <a:solidFill>
+                  <a:srgbClr val="BCBEC4"/>
+                </a:solidFill>
+                <a:effectLst/>
+                <a:latin typeface="+mj-lt"/>
+                <a:cs typeface="JetBrains Mono" panose="02000009000000000000" pitchFamily="49" charset="0"/>
+              </a:rPr>
+              <a:t>        </a:t>
+            </a:r>
+            <a:r>
+              <a:rPr kumimoji="0" lang="zh-TW" altLang="zh-TW" sz="1600" b="0" i="0" u="none" strike="noStrike" cap="none" normalizeH="0" baseline="0">
+                <a:ln>
+                  <a:noFill/>
+                </a:ln>
+                <a:solidFill>
+                  <a:srgbClr val="CF8E6D"/>
+                </a:solidFill>
+                <a:effectLst/>
+                <a:latin typeface="+mj-lt"/>
+                <a:cs typeface="JetBrains Mono" panose="02000009000000000000" pitchFamily="49" charset="0"/>
+              </a:rPr>
+              <a:t>int </a:t>
+            </a:r>
+            <a:r>
+              <a:rPr kumimoji="0" lang="zh-TW" altLang="zh-TW" sz="1600" b="0" i="0" u="none" strike="noStrike" cap="none" normalizeH="0" baseline="0">
+                <a:ln>
+                  <a:noFill/>
+                </a:ln>
+                <a:solidFill>
+                  <a:srgbClr val="BCBEC4"/>
+                </a:solidFill>
+                <a:effectLst/>
+                <a:latin typeface="+mj-lt"/>
+                <a:cs typeface="JetBrains Mono" panose="02000009000000000000" pitchFamily="49" charset="0"/>
+              </a:rPr>
+              <a:t>b = scanner.nextInt();</a:t>
+            </a:r>
+            <a:br>
+              <a:rPr kumimoji="0" lang="zh-TW" altLang="zh-TW" sz="1600" b="0" i="0" u="none" strike="noStrike" cap="none" normalizeH="0" baseline="0">
+                <a:ln>
+                  <a:noFill/>
+                </a:ln>
+                <a:solidFill>
+                  <a:srgbClr val="BCBEC4"/>
+                </a:solidFill>
+                <a:effectLst/>
+                <a:latin typeface="+mj-lt"/>
+                <a:cs typeface="JetBrains Mono" panose="02000009000000000000" pitchFamily="49" charset="0"/>
+              </a:rPr>
+            </a:br>
+            <a:r>
+              <a:rPr kumimoji="0" lang="zh-TW" altLang="zh-TW" sz="1600" b="0" i="0" u="none" strike="noStrike" cap="none" normalizeH="0" baseline="0">
+                <a:ln>
+                  <a:noFill/>
+                </a:ln>
+                <a:solidFill>
+                  <a:srgbClr val="BCBEC4"/>
+                </a:solidFill>
+                <a:effectLst/>
+                <a:latin typeface="+mj-lt"/>
+                <a:cs typeface="JetBrains Mono" panose="02000009000000000000" pitchFamily="49" charset="0"/>
+              </a:rPr>
+              <a:t>        </a:t>
+            </a:r>
+            <a:r>
+              <a:rPr kumimoji="0" lang="zh-TW" altLang="zh-TW" sz="1600" b="0" i="0" u="none" strike="noStrike" cap="none" normalizeH="0" baseline="0">
+                <a:ln>
+                  <a:noFill/>
+                </a:ln>
+                <a:solidFill>
+                  <a:srgbClr val="CF8E6D"/>
+                </a:solidFill>
+                <a:effectLst/>
+                <a:latin typeface="+mj-lt"/>
+                <a:cs typeface="JetBrains Mono" panose="02000009000000000000" pitchFamily="49" charset="0"/>
+              </a:rPr>
+              <a:t>int </a:t>
+            </a:r>
+            <a:r>
+              <a:rPr kumimoji="0" lang="zh-TW" altLang="zh-TW" sz="1600" b="0" i="0" u="none" strike="noStrike" cap="none" normalizeH="0" baseline="0">
+                <a:ln>
+                  <a:noFill/>
+                </a:ln>
+                <a:solidFill>
+                  <a:srgbClr val="BCBEC4"/>
+                </a:solidFill>
+                <a:effectLst/>
+                <a:latin typeface="+mj-lt"/>
+                <a:cs typeface="JetBrains Mono" panose="02000009000000000000" pitchFamily="49" charset="0"/>
+              </a:rPr>
+              <a:t>c = scanner.nextInt();</a:t>
+            </a:r>
+            <a:br>
+              <a:rPr kumimoji="0" lang="zh-TW" altLang="zh-TW" sz="1600" b="0" i="0" u="none" strike="noStrike" cap="none" normalizeH="0" baseline="0">
+                <a:ln>
+                  <a:noFill/>
+                </a:ln>
+                <a:solidFill>
+                  <a:srgbClr val="BCBEC4"/>
+                </a:solidFill>
+                <a:effectLst/>
+                <a:latin typeface="+mj-lt"/>
+                <a:cs typeface="JetBrains Mono" panose="02000009000000000000" pitchFamily="49" charset="0"/>
+              </a:rPr>
+            </a:br>
+            <a:r>
+              <a:rPr kumimoji="0" lang="zh-TW" altLang="zh-TW" sz="1600" b="0" i="0" u="none" strike="noStrike" cap="none" normalizeH="0" baseline="0">
+                <a:ln>
+                  <a:noFill/>
+                </a:ln>
+                <a:solidFill>
+                  <a:srgbClr val="BCBEC4"/>
+                </a:solidFill>
+                <a:effectLst/>
+                <a:latin typeface="+mj-lt"/>
+                <a:cs typeface="JetBrains Mono" panose="02000009000000000000" pitchFamily="49" charset="0"/>
+              </a:rPr>
+              <a:t>        </a:t>
+            </a:r>
+            <a:r>
+              <a:rPr kumimoji="0" lang="zh-TW" altLang="zh-TW" sz="1600" b="0" i="0" u="none" strike="noStrike" cap="none" normalizeH="0" baseline="0">
+                <a:ln>
+                  <a:noFill/>
+                </a:ln>
+                <a:solidFill>
+                  <a:srgbClr val="CF8E6D"/>
+                </a:solidFill>
+                <a:effectLst/>
+                <a:latin typeface="+mj-lt"/>
+                <a:cs typeface="JetBrains Mono" panose="02000009000000000000" pitchFamily="49" charset="0"/>
+              </a:rPr>
+              <a:t>if </a:t>
+            </a:r>
+            <a:r>
+              <a:rPr kumimoji="0" lang="zh-TW" altLang="zh-TW" sz="1600" b="0" i="0" u="none" strike="noStrike" cap="none" normalizeH="0" baseline="0">
+                <a:ln>
+                  <a:noFill/>
+                </a:ln>
+                <a:solidFill>
+                  <a:srgbClr val="BCBEC4"/>
+                </a:solidFill>
+                <a:effectLst/>
+                <a:latin typeface="+mj-lt"/>
+                <a:cs typeface="JetBrains Mono" panose="02000009000000000000" pitchFamily="49" charset="0"/>
+              </a:rPr>
+              <a:t>(a + b &lt;= c) {</a:t>
+            </a:r>
+            <a:br>
+              <a:rPr kumimoji="0" lang="zh-TW" altLang="zh-TW" sz="1600" b="0" i="0" u="none" strike="noStrike" cap="none" normalizeH="0" baseline="0">
+                <a:ln>
+                  <a:noFill/>
+                </a:ln>
+                <a:solidFill>
+                  <a:srgbClr val="BCBEC4"/>
+                </a:solidFill>
+                <a:effectLst/>
+                <a:latin typeface="+mj-lt"/>
+                <a:cs typeface="JetBrains Mono" panose="02000009000000000000" pitchFamily="49" charset="0"/>
+              </a:rPr>
+            </a:br>
+            <a:r>
+              <a:rPr kumimoji="0" lang="zh-TW" altLang="zh-TW" sz="1600" b="0" i="0" u="none" strike="noStrike" cap="none" normalizeH="0" baseline="0">
+                <a:ln>
+                  <a:noFill/>
+                </a:ln>
+                <a:solidFill>
+                  <a:srgbClr val="BCBEC4"/>
+                </a:solidFill>
+                <a:effectLst/>
+                <a:latin typeface="+mj-lt"/>
+                <a:cs typeface="JetBrains Mono" panose="02000009000000000000" pitchFamily="49" charset="0"/>
+              </a:rPr>
+              <a:t>            System.</a:t>
+            </a:r>
+            <a:r>
+              <a:rPr kumimoji="0" lang="zh-TW" altLang="zh-TW" sz="1600" b="0" i="1" u="none" strike="noStrike" cap="none" normalizeH="0" baseline="0">
+                <a:ln>
+                  <a:noFill/>
+                </a:ln>
+                <a:solidFill>
+                  <a:srgbClr val="C77DBB"/>
+                </a:solidFill>
+                <a:effectLst/>
+                <a:latin typeface="+mj-lt"/>
+                <a:cs typeface="JetBrains Mono" panose="02000009000000000000" pitchFamily="49" charset="0"/>
+              </a:rPr>
+              <a:t>out</a:t>
+            </a:r>
+            <a:r>
+              <a:rPr kumimoji="0" lang="zh-TW" altLang="zh-TW" sz="1600" b="0" i="0" u="none" strike="noStrike" cap="none" normalizeH="0" baseline="0">
+                <a:ln>
+                  <a:noFill/>
+                </a:ln>
+                <a:solidFill>
+                  <a:srgbClr val="BCBEC4"/>
+                </a:solidFill>
+                <a:effectLst/>
+                <a:latin typeface="+mj-lt"/>
+                <a:cs typeface="JetBrains Mono" panose="02000009000000000000" pitchFamily="49" charset="0"/>
+              </a:rPr>
+              <a:t>.println(</a:t>
+            </a:r>
+            <a:r>
+              <a:rPr kumimoji="0" lang="zh-TW" altLang="zh-TW" sz="1600" b="0" i="0" u="none" strike="noStrike" cap="none" normalizeH="0" baseline="0">
+                <a:ln>
+                  <a:noFill/>
+                </a:ln>
+                <a:solidFill>
+                  <a:srgbClr val="6AAB73"/>
+                </a:solidFill>
+                <a:effectLst/>
+                <a:latin typeface="+mj-lt"/>
+                <a:cs typeface="JetBrains Mono" panose="02000009000000000000" pitchFamily="49" charset="0"/>
+              </a:rPr>
+              <a:t>"No"</a:t>
+            </a:r>
+            <a:r>
+              <a:rPr kumimoji="0" lang="zh-TW" altLang="zh-TW" sz="1600" b="0" i="0" u="none" strike="noStrike" cap="none" normalizeH="0" baseline="0">
+                <a:ln>
+                  <a:noFill/>
+                </a:ln>
+                <a:solidFill>
+                  <a:srgbClr val="BCBEC4"/>
+                </a:solidFill>
+                <a:effectLst/>
+                <a:latin typeface="+mj-lt"/>
+                <a:cs typeface="JetBrains Mono" panose="02000009000000000000" pitchFamily="49" charset="0"/>
+              </a:rPr>
+              <a:t>);</a:t>
+            </a:r>
+            <a:br>
+              <a:rPr kumimoji="0" lang="zh-TW" altLang="zh-TW" sz="1600" b="0" i="0" u="none" strike="noStrike" cap="none" normalizeH="0" baseline="0">
+                <a:ln>
+                  <a:noFill/>
+                </a:ln>
+                <a:solidFill>
+                  <a:srgbClr val="BCBEC4"/>
+                </a:solidFill>
+                <a:effectLst/>
+                <a:latin typeface="+mj-lt"/>
+                <a:cs typeface="JetBrains Mono" panose="02000009000000000000" pitchFamily="49" charset="0"/>
+              </a:rPr>
+            </a:br>
+            <a:r>
+              <a:rPr kumimoji="0" lang="zh-TW" altLang="zh-TW" sz="1600" b="0" i="0" u="none" strike="noStrike" cap="none" normalizeH="0" baseline="0">
+                <a:ln>
+                  <a:noFill/>
+                </a:ln>
+                <a:solidFill>
+                  <a:srgbClr val="BCBEC4"/>
+                </a:solidFill>
+                <a:effectLst/>
+                <a:latin typeface="+mj-lt"/>
+                <a:cs typeface="JetBrains Mono" panose="02000009000000000000" pitchFamily="49" charset="0"/>
+              </a:rPr>
+              <a:t>        } </a:t>
+            </a:r>
+            <a:r>
+              <a:rPr kumimoji="0" lang="zh-TW" altLang="zh-TW" sz="1600" b="0" i="0" u="none" strike="noStrike" cap="none" normalizeH="0" baseline="0">
+                <a:ln>
+                  <a:noFill/>
+                </a:ln>
+                <a:solidFill>
+                  <a:srgbClr val="CF8E6D"/>
+                </a:solidFill>
+                <a:effectLst/>
+                <a:latin typeface="+mj-lt"/>
+                <a:cs typeface="JetBrains Mono" panose="02000009000000000000" pitchFamily="49" charset="0"/>
+              </a:rPr>
+              <a:t>else if </a:t>
+            </a:r>
+            <a:r>
+              <a:rPr kumimoji="0" lang="zh-TW" altLang="zh-TW" sz="1600" b="0" i="0" u="none" strike="noStrike" cap="none" normalizeH="0" baseline="0">
+                <a:ln>
+                  <a:noFill/>
+                </a:ln>
+                <a:solidFill>
+                  <a:srgbClr val="BCBEC4"/>
+                </a:solidFill>
+                <a:effectLst/>
+                <a:latin typeface="+mj-lt"/>
+                <a:cs typeface="JetBrains Mono" panose="02000009000000000000" pitchFamily="49" charset="0"/>
+              </a:rPr>
+              <a:t>(a * a + b * b == c * c) {</a:t>
+            </a:r>
+            <a:br>
+              <a:rPr kumimoji="0" lang="zh-TW" altLang="zh-TW" sz="1600" b="0" i="0" u="none" strike="noStrike" cap="none" normalizeH="0" baseline="0">
+                <a:ln>
+                  <a:noFill/>
+                </a:ln>
+                <a:solidFill>
+                  <a:srgbClr val="BCBEC4"/>
+                </a:solidFill>
+                <a:effectLst/>
+                <a:latin typeface="+mj-lt"/>
+                <a:cs typeface="JetBrains Mono" panose="02000009000000000000" pitchFamily="49" charset="0"/>
+              </a:rPr>
+            </a:br>
+            <a:r>
+              <a:rPr kumimoji="0" lang="zh-TW" altLang="zh-TW" sz="1600" b="0" i="0" u="none" strike="noStrike" cap="none" normalizeH="0" baseline="0">
+                <a:ln>
+                  <a:noFill/>
+                </a:ln>
+                <a:solidFill>
+                  <a:srgbClr val="BCBEC4"/>
+                </a:solidFill>
+                <a:effectLst/>
+                <a:latin typeface="+mj-lt"/>
+                <a:cs typeface="JetBrains Mono" panose="02000009000000000000" pitchFamily="49" charset="0"/>
+              </a:rPr>
+              <a:t>            System.</a:t>
+            </a:r>
+            <a:r>
+              <a:rPr kumimoji="0" lang="zh-TW" altLang="zh-TW" sz="1600" b="0" i="1" u="none" strike="noStrike" cap="none" normalizeH="0" baseline="0">
+                <a:ln>
+                  <a:noFill/>
+                </a:ln>
+                <a:solidFill>
+                  <a:srgbClr val="C77DBB"/>
+                </a:solidFill>
+                <a:effectLst/>
+                <a:latin typeface="+mj-lt"/>
+                <a:cs typeface="JetBrains Mono" panose="02000009000000000000" pitchFamily="49" charset="0"/>
+              </a:rPr>
+              <a:t>out</a:t>
+            </a:r>
+            <a:r>
+              <a:rPr kumimoji="0" lang="zh-TW" altLang="zh-TW" sz="1600" b="0" i="0" u="none" strike="noStrike" cap="none" normalizeH="0" baseline="0">
+                <a:ln>
+                  <a:noFill/>
+                </a:ln>
+                <a:solidFill>
+                  <a:srgbClr val="BCBEC4"/>
+                </a:solidFill>
+                <a:effectLst/>
+                <a:latin typeface="+mj-lt"/>
+                <a:cs typeface="JetBrains Mono" panose="02000009000000000000" pitchFamily="49" charset="0"/>
+              </a:rPr>
+              <a:t>.println(</a:t>
+            </a:r>
+            <a:r>
+              <a:rPr kumimoji="0" lang="zh-TW" altLang="zh-TW" sz="1600" b="0" i="0" u="none" strike="noStrike" cap="none" normalizeH="0" baseline="0">
+                <a:ln>
+                  <a:noFill/>
+                </a:ln>
+                <a:solidFill>
+                  <a:srgbClr val="6AAB73"/>
+                </a:solidFill>
+                <a:effectLst/>
+                <a:latin typeface="+mj-lt"/>
+                <a:cs typeface="JetBrains Mono" panose="02000009000000000000" pitchFamily="49" charset="0"/>
+              </a:rPr>
+              <a:t>"Right"</a:t>
+            </a:r>
+            <a:r>
+              <a:rPr kumimoji="0" lang="zh-TW" altLang="zh-TW" sz="1600" b="0" i="0" u="none" strike="noStrike" cap="none" normalizeH="0" baseline="0">
+                <a:ln>
+                  <a:noFill/>
+                </a:ln>
+                <a:solidFill>
+                  <a:srgbClr val="BCBEC4"/>
+                </a:solidFill>
+                <a:effectLst/>
+                <a:latin typeface="+mj-lt"/>
+                <a:cs typeface="JetBrains Mono" panose="02000009000000000000" pitchFamily="49" charset="0"/>
+              </a:rPr>
+              <a:t>);</a:t>
+            </a:r>
+            <a:br>
+              <a:rPr kumimoji="0" lang="zh-TW" altLang="zh-TW" sz="1600" b="0" i="0" u="none" strike="noStrike" cap="none" normalizeH="0" baseline="0">
+                <a:ln>
+                  <a:noFill/>
+                </a:ln>
+                <a:solidFill>
+                  <a:srgbClr val="BCBEC4"/>
+                </a:solidFill>
+                <a:effectLst/>
+                <a:latin typeface="+mj-lt"/>
+                <a:cs typeface="JetBrains Mono" panose="02000009000000000000" pitchFamily="49" charset="0"/>
+              </a:rPr>
+            </a:br>
+            <a:r>
+              <a:rPr kumimoji="0" lang="zh-TW" altLang="zh-TW" sz="1600" b="0" i="0" u="none" strike="noStrike" cap="none" normalizeH="0" baseline="0">
+                <a:ln>
+                  <a:noFill/>
+                </a:ln>
+                <a:solidFill>
+                  <a:srgbClr val="BCBEC4"/>
+                </a:solidFill>
+                <a:effectLst/>
+                <a:latin typeface="+mj-lt"/>
+                <a:cs typeface="JetBrains Mono" panose="02000009000000000000" pitchFamily="49" charset="0"/>
+              </a:rPr>
+              <a:t>        } </a:t>
+            </a:r>
+            <a:r>
+              <a:rPr kumimoji="0" lang="zh-TW" altLang="zh-TW" sz="1600" b="0" i="0" u="none" strike="noStrike" cap="none" normalizeH="0" baseline="0">
+                <a:ln>
+                  <a:noFill/>
+                </a:ln>
+                <a:solidFill>
+                  <a:srgbClr val="CF8E6D"/>
+                </a:solidFill>
+                <a:effectLst/>
+                <a:latin typeface="+mj-lt"/>
+                <a:cs typeface="JetBrains Mono" panose="02000009000000000000" pitchFamily="49" charset="0"/>
+              </a:rPr>
+              <a:t>else if </a:t>
+            </a:r>
+            <a:r>
+              <a:rPr kumimoji="0" lang="zh-TW" altLang="zh-TW" sz="1600" b="0" i="0" u="none" strike="noStrike" cap="none" normalizeH="0" baseline="0">
+                <a:ln>
+                  <a:noFill/>
+                </a:ln>
+                <a:solidFill>
+                  <a:srgbClr val="BCBEC4"/>
+                </a:solidFill>
+                <a:effectLst/>
+                <a:latin typeface="+mj-lt"/>
+                <a:cs typeface="JetBrains Mono" panose="02000009000000000000" pitchFamily="49" charset="0"/>
+              </a:rPr>
+              <a:t>(a * a + b * b &lt; c * c) {</a:t>
+            </a:r>
+            <a:br>
+              <a:rPr kumimoji="0" lang="zh-TW" altLang="zh-TW" sz="1600" b="0" i="0" u="none" strike="noStrike" cap="none" normalizeH="0" baseline="0">
+                <a:ln>
+                  <a:noFill/>
+                </a:ln>
+                <a:solidFill>
+                  <a:srgbClr val="BCBEC4"/>
+                </a:solidFill>
+                <a:effectLst/>
+                <a:latin typeface="+mj-lt"/>
+                <a:cs typeface="JetBrains Mono" panose="02000009000000000000" pitchFamily="49" charset="0"/>
+              </a:rPr>
+            </a:br>
+            <a:r>
+              <a:rPr kumimoji="0" lang="zh-TW" altLang="zh-TW" sz="1600" b="0" i="0" u="none" strike="noStrike" cap="none" normalizeH="0" baseline="0">
+                <a:ln>
+                  <a:noFill/>
+                </a:ln>
+                <a:solidFill>
+                  <a:srgbClr val="BCBEC4"/>
+                </a:solidFill>
+                <a:effectLst/>
+                <a:latin typeface="+mj-lt"/>
+                <a:cs typeface="JetBrains Mono" panose="02000009000000000000" pitchFamily="49" charset="0"/>
+              </a:rPr>
+              <a:t>            System.</a:t>
+            </a:r>
+            <a:r>
+              <a:rPr kumimoji="0" lang="zh-TW" altLang="zh-TW" sz="1600" b="0" i="1" u="none" strike="noStrike" cap="none" normalizeH="0" baseline="0">
+                <a:ln>
+                  <a:noFill/>
+                </a:ln>
+                <a:solidFill>
+                  <a:srgbClr val="C77DBB"/>
+                </a:solidFill>
+                <a:effectLst/>
+                <a:latin typeface="+mj-lt"/>
+                <a:cs typeface="JetBrains Mono" panose="02000009000000000000" pitchFamily="49" charset="0"/>
+              </a:rPr>
+              <a:t>out</a:t>
+            </a:r>
+            <a:r>
+              <a:rPr kumimoji="0" lang="zh-TW" altLang="zh-TW" sz="1600" b="0" i="0" u="none" strike="noStrike" cap="none" normalizeH="0" baseline="0">
+                <a:ln>
+                  <a:noFill/>
+                </a:ln>
+                <a:solidFill>
+                  <a:srgbClr val="BCBEC4"/>
+                </a:solidFill>
+                <a:effectLst/>
+                <a:latin typeface="+mj-lt"/>
+                <a:cs typeface="JetBrains Mono" panose="02000009000000000000" pitchFamily="49" charset="0"/>
+              </a:rPr>
+              <a:t>.println(</a:t>
+            </a:r>
+            <a:r>
+              <a:rPr kumimoji="0" lang="zh-TW" altLang="zh-TW" sz="1600" b="0" i="0" u="none" strike="noStrike" cap="none" normalizeH="0" baseline="0">
+                <a:ln>
+                  <a:noFill/>
+                </a:ln>
+                <a:solidFill>
+                  <a:srgbClr val="6AAB73"/>
+                </a:solidFill>
+                <a:effectLst/>
+                <a:latin typeface="+mj-lt"/>
+                <a:cs typeface="JetBrains Mono" panose="02000009000000000000" pitchFamily="49" charset="0"/>
+              </a:rPr>
+              <a:t>"Obtuse"</a:t>
+            </a:r>
+            <a:r>
+              <a:rPr kumimoji="0" lang="zh-TW" altLang="zh-TW" sz="1600" b="0" i="0" u="none" strike="noStrike" cap="none" normalizeH="0" baseline="0">
+                <a:ln>
+                  <a:noFill/>
+                </a:ln>
+                <a:solidFill>
+                  <a:srgbClr val="BCBEC4"/>
+                </a:solidFill>
+                <a:effectLst/>
+                <a:latin typeface="+mj-lt"/>
+                <a:cs typeface="JetBrains Mono" panose="02000009000000000000" pitchFamily="49" charset="0"/>
+              </a:rPr>
+              <a:t>);</a:t>
+            </a:r>
+            <a:br>
+              <a:rPr kumimoji="0" lang="zh-TW" altLang="zh-TW" sz="1600" b="0" i="0" u="none" strike="noStrike" cap="none" normalizeH="0" baseline="0">
+                <a:ln>
+                  <a:noFill/>
+                </a:ln>
+                <a:solidFill>
+                  <a:srgbClr val="BCBEC4"/>
+                </a:solidFill>
+                <a:effectLst/>
+                <a:latin typeface="+mj-lt"/>
+                <a:cs typeface="JetBrains Mono" panose="02000009000000000000" pitchFamily="49" charset="0"/>
+              </a:rPr>
+            </a:br>
+            <a:r>
+              <a:rPr kumimoji="0" lang="zh-TW" altLang="zh-TW" sz="1600" b="0" i="0" u="none" strike="noStrike" cap="none" normalizeH="0" baseline="0">
+                <a:ln>
+                  <a:noFill/>
+                </a:ln>
+                <a:solidFill>
+                  <a:srgbClr val="BCBEC4"/>
+                </a:solidFill>
+                <a:effectLst/>
+                <a:latin typeface="+mj-lt"/>
+                <a:cs typeface="JetBrains Mono" panose="02000009000000000000" pitchFamily="49" charset="0"/>
+              </a:rPr>
+              <a:t>        } </a:t>
+            </a:r>
+            <a:r>
+              <a:rPr kumimoji="0" lang="zh-TW" altLang="zh-TW" sz="1600" b="0" i="0" u="none" strike="noStrike" cap="none" normalizeH="0" baseline="0">
+                <a:ln>
+                  <a:noFill/>
+                </a:ln>
+                <a:solidFill>
+                  <a:srgbClr val="CF8E6D"/>
+                </a:solidFill>
+                <a:effectLst/>
+                <a:latin typeface="+mj-lt"/>
+                <a:cs typeface="JetBrains Mono" panose="02000009000000000000" pitchFamily="49" charset="0"/>
+              </a:rPr>
+              <a:t>else </a:t>
+            </a:r>
+            <a:r>
+              <a:rPr kumimoji="0" lang="zh-TW" altLang="zh-TW" sz="1600" b="0" i="0" u="none" strike="noStrike" cap="none" normalizeH="0" baseline="0">
+                <a:ln>
+                  <a:noFill/>
+                </a:ln>
+                <a:solidFill>
+                  <a:srgbClr val="BCBEC4"/>
+                </a:solidFill>
+                <a:effectLst/>
+                <a:latin typeface="+mj-lt"/>
+                <a:cs typeface="JetBrains Mono" panose="02000009000000000000" pitchFamily="49" charset="0"/>
+              </a:rPr>
+              <a:t>{</a:t>
+            </a:r>
+            <a:br>
+              <a:rPr kumimoji="0" lang="zh-TW" altLang="zh-TW" sz="1600" b="0" i="0" u="none" strike="noStrike" cap="none" normalizeH="0" baseline="0">
+                <a:ln>
+                  <a:noFill/>
+                </a:ln>
+                <a:solidFill>
+                  <a:srgbClr val="BCBEC4"/>
+                </a:solidFill>
+                <a:effectLst/>
+                <a:latin typeface="+mj-lt"/>
+                <a:cs typeface="JetBrains Mono" panose="02000009000000000000" pitchFamily="49" charset="0"/>
+              </a:rPr>
+            </a:br>
+            <a:r>
+              <a:rPr kumimoji="0" lang="zh-TW" altLang="zh-TW" sz="1600" b="0" i="0" u="none" strike="noStrike" cap="none" normalizeH="0" baseline="0">
+                <a:ln>
+                  <a:noFill/>
+                </a:ln>
+                <a:solidFill>
+                  <a:srgbClr val="BCBEC4"/>
+                </a:solidFill>
+                <a:effectLst/>
+                <a:latin typeface="+mj-lt"/>
+                <a:cs typeface="JetBrains Mono" panose="02000009000000000000" pitchFamily="49" charset="0"/>
+              </a:rPr>
+              <a:t>            System.</a:t>
+            </a:r>
+            <a:r>
+              <a:rPr kumimoji="0" lang="zh-TW" altLang="zh-TW" sz="1600" b="0" i="1" u="none" strike="noStrike" cap="none" normalizeH="0" baseline="0">
+                <a:ln>
+                  <a:noFill/>
+                </a:ln>
+                <a:solidFill>
+                  <a:srgbClr val="C77DBB"/>
+                </a:solidFill>
+                <a:effectLst/>
+                <a:latin typeface="+mj-lt"/>
+                <a:cs typeface="JetBrains Mono" panose="02000009000000000000" pitchFamily="49" charset="0"/>
+              </a:rPr>
+              <a:t>out</a:t>
+            </a:r>
+            <a:r>
+              <a:rPr kumimoji="0" lang="zh-TW" altLang="zh-TW" sz="1600" b="0" i="0" u="none" strike="noStrike" cap="none" normalizeH="0" baseline="0">
+                <a:ln>
+                  <a:noFill/>
+                </a:ln>
+                <a:solidFill>
+                  <a:srgbClr val="BCBEC4"/>
+                </a:solidFill>
+                <a:effectLst/>
+                <a:latin typeface="+mj-lt"/>
+                <a:cs typeface="JetBrains Mono" panose="02000009000000000000" pitchFamily="49" charset="0"/>
+              </a:rPr>
+              <a:t>.println(</a:t>
+            </a:r>
+            <a:r>
+              <a:rPr kumimoji="0" lang="zh-TW" altLang="zh-TW" sz="1600" b="0" i="0" u="none" strike="noStrike" cap="none" normalizeH="0" baseline="0">
+                <a:ln>
+                  <a:noFill/>
+                </a:ln>
+                <a:solidFill>
+                  <a:srgbClr val="6AAB73"/>
+                </a:solidFill>
+                <a:effectLst/>
+                <a:latin typeface="+mj-lt"/>
+                <a:cs typeface="JetBrains Mono" panose="02000009000000000000" pitchFamily="49" charset="0"/>
+              </a:rPr>
+              <a:t>"Acute"</a:t>
+            </a:r>
+            <a:r>
+              <a:rPr kumimoji="0" lang="zh-TW" altLang="zh-TW" sz="1600" b="0" i="0" u="none" strike="noStrike" cap="none" normalizeH="0" baseline="0">
+                <a:ln>
+                  <a:noFill/>
+                </a:ln>
+                <a:solidFill>
+                  <a:srgbClr val="BCBEC4"/>
+                </a:solidFill>
+                <a:effectLst/>
+                <a:latin typeface="+mj-lt"/>
+                <a:cs typeface="JetBrains Mono" panose="02000009000000000000" pitchFamily="49" charset="0"/>
+              </a:rPr>
+              <a:t>);</a:t>
+            </a:r>
+            <a:br>
+              <a:rPr kumimoji="0" lang="zh-TW" altLang="zh-TW" sz="1600" b="0" i="0" u="none" strike="noStrike" cap="none" normalizeH="0" baseline="0">
+                <a:ln>
+                  <a:noFill/>
+                </a:ln>
+                <a:solidFill>
+                  <a:srgbClr val="BCBEC4"/>
+                </a:solidFill>
+                <a:effectLst/>
+                <a:latin typeface="+mj-lt"/>
+                <a:cs typeface="JetBrains Mono" panose="02000009000000000000" pitchFamily="49" charset="0"/>
+              </a:rPr>
+            </a:br>
+            <a:r>
+              <a:rPr kumimoji="0" lang="zh-TW" altLang="zh-TW" sz="1600" b="0" i="0" u="none" strike="noStrike" cap="none" normalizeH="0" baseline="0">
+                <a:ln>
+                  <a:noFill/>
+                </a:ln>
+                <a:solidFill>
+                  <a:srgbClr val="BCBEC4"/>
+                </a:solidFill>
+                <a:effectLst/>
+                <a:latin typeface="+mj-lt"/>
+                <a:cs typeface="JetBrains Mono" panose="02000009000000000000" pitchFamily="49" charset="0"/>
+              </a:rPr>
+              <a:t>        }</a:t>
+            </a:r>
+            <a:br>
+              <a:rPr kumimoji="0" lang="zh-TW" altLang="zh-TW" sz="1600" b="0" i="0" u="none" strike="noStrike" cap="none" normalizeH="0" baseline="0">
+                <a:ln>
+                  <a:noFill/>
+                </a:ln>
+                <a:solidFill>
+                  <a:srgbClr val="BCBEC4"/>
+                </a:solidFill>
+                <a:effectLst/>
+                <a:latin typeface="+mj-lt"/>
+                <a:cs typeface="JetBrains Mono" panose="02000009000000000000" pitchFamily="49" charset="0"/>
+              </a:rPr>
+            </a:br>
+            <a:r>
+              <a:rPr kumimoji="0" lang="zh-TW" altLang="zh-TW" sz="1600" b="0" i="0" u="none" strike="noStrike" cap="none" normalizeH="0" baseline="0">
+                <a:ln>
+                  <a:noFill/>
+                </a:ln>
+                <a:solidFill>
+                  <a:srgbClr val="BCBEC4"/>
+                </a:solidFill>
+                <a:effectLst/>
+                <a:latin typeface="+mj-lt"/>
+                <a:cs typeface="JetBrains Mono" panose="02000009000000000000" pitchFamily="49" charset="0"/>
+              </a:rPr>
+              <a:t>    }</a:t>
+            </a:r>
+            <a:br>
+              <a:rPr kumimoji="0" lang="zh-TW" altLang="zh-TW" sz="1600" b="0" i="0" u="none" strike="noStrike" cap="none" normalizeH="0" baseline="0">
+                <a:ln>
+                  <a:noFill/>
+                </a:ln>
+                <a:solidFill>
+                  <a:srgbClr val="BCBEC4"/>
+                </a:solidFill>
+                <a:effectLst/>
+                <a:latin typeface="+mj-lt"/>
+                <a:cs typeface="JetBrains Mono" panose="02000009000000000000" pitchFamily="49" charset="0"/>
+              </a:rPr>
+            </a:br>
+            <a:r>
+              <a:rPr kumimoji="0" lang="zh-TW" altLang="zh-TW" sz="1600" b="0" i="0" u="none" strike="noStrike" cap="none" normalizeH="0" baseline="0">
+                <a:ln>
+                  <a:noFill/>
+                </a:ln>
+                <a:solidFill>
+                  <a:srgbClr val="BCBEC4"/>
+                </a:solidFill>
+                <a:effectLst/>
+                <a:latin typeface="+mj-lt"/>
+                <a:cs typeface="JetBrains Mono" panose="02000009000000000000" pitchFamily="49" charset="0"/>
+              </a:rPr>
+              <a:t>}</a:t>
+            </a:r>
+            <a:endParaRPr kumimoji="0" lang="zh-TW" altLang="zh-TW" sz="2000" b="0" i="0" u="none" strike="noStrike" cap="none" normalizeH="0" baseline="0">
+              <a:ln>
+                <a:noFill/>
+              </a:ln>
+              <a:solidFill>
+                <a:schemeClr val="tx1"/>
+              </a:solidFill>
+              <a:effectLst/>
+              <a:latin typeface="+mj-lt"/>
+            </a:endParaRPr>
+          </a:p>
+        </p:txBody>
+      </p:sp>
+    </p:spTree>
+    <p:extLst>
+      <p:ext uri="{BB962C8B-B14F-4D97-AF65-F5344CB8AC3E}">
+        <p14:creationId xmlns:p14="http://schemas.microsoft.com/office/powerpoint/2010/main" val="3592452367"/>
+      </p:ext>
+    </p:extLst>
+  </p:cSld>
+  <p:clrMapOvr>
+    <a:masterClrMapping/>
+  </p:clrMapOvr>
+  <p:transition spd="slow">
+    <p:push dir="u"/>
+  </p:transition>
+</p:sld>
+</file>
+
+<file path=ppt/slides/slide6.xml><?xml version="1.0" encoding="utf-8"?>
+<p:sld xmlns:a="http://schemas.openxmlformats.org/drawingml/2006/main" xmlns:r="http://schemas.openxmlformats.org/officeDocument/2006/relationships" xmlns:p="http://schemas.openxmlformats.org/presentationml/2006/main">
+  <p:cSld>
+    <p:spTree>
+      <p:nvGrpSpPr>
+        <p:cNvPr id="1" name=""/>
+        <p:cNvGrpSpPr/>
+        <p:nvPr/>
+      </p:nvGrpSpPr>
+      <p:grpSpPr>
+        <a:xfrm>
+          <a:off x="0" y="0"/>
+          <a:ext cx="0" cy="0"/>
+          <a:chOff x="0" y="0"/>
+          <a:chExt cx="0" cy="0"/>
+        </a:xfrm>
+      </p:grpSpPr>
+      <p:sp>
+        <p:nvSpPr>
+          <p:cNvPr id="2" name="標題 1">
+            <a:extLst>
+              <a:ext uri="{FF2B5EF4-FFF2-40B4-BE49-F238E27FC236}">
+                <a16:creationId xmlns:a16="http://schemas.microsoft.com/office/drawing/2014/main" id="{855859B2-6036-479F-8EC5-FB14EFD2EE36}"/>
+              </a:ext>
+            </a:extLst>
+          </p:cNvPr>
+          <p:cNvSpPr>
+            <a:spLocks noGrp="1"/>
+          </p:cNvSpPr>
+          <p:nvPr>
+            <p:ph type="title"/>
+          </p:nvPr>
+        </p:nvSpPr>
+        <p:spPr/>
+        <p:txBody>
+          <a:bodyPr/>
+          <a:lstStyle/>
+          <a:p>
+            <a:r>
+              <a:rPr lang="en-US" altLang="zh-TW"/>
+              <a:t>004</a:t>
+            </a:r>
+            <a:endParaRPr lang="zh-TW" altLang="en-US"/>
+          </a:p>
+        </p:txBody>
+      </p:sp>
+      <p:sp>
+        <p:nvSpPr>
+          <p:cNvPr id="4" name="Rectangle 1">
+            <a:extLst>
+              <a:ext uri="{FF2B5EF4-FFF2-40B4-BE49-F238E27FC236}">
+                <a16:creationId xmlns:a16="http://schemas.microsoft.com/office/drawing/2014/main" id="{D791326C-09F0-4A81-9BE5-FF4A3781188A}"/>
+              </a:ext>
+            </a:extLst>
+          </p:cNvPr>
+          <p:cNvSpPr>
+            <a:spLocks noChangeArrowheads="1"/>
+          </p:cNvSpPr>
+          <p:nvPr/>
+        </p:nvSpPr>
+        <p:spPr bwMode="auto">
+          <a:xfrm>
+            <a:off x="3254517" y="1616025"/>
+            <a:ext cx="5682966" cy="4770537"/>
+          </a:xfrm>
+          <a:prstGeom prst="rect">
+            <a:avLst/>
+          </a:prstGeom>
+          <a:solidFill>
+            <a:srgbClr val="1E1F22"/>
+          </a:solidFill>
+          <a:ln>
+            <a:noFill/>
+          </a:ln>
+          <a:effectLst/>
+          <a:extLst>
+            <a:ext uri="{91240B29-F687-4F45-9708-019B960494DF}">
+              <a14:hiddenLine xmlns:a14="http://schemas.microsoft.com/office/drawing/2010/main" w="9525">
+                <a:solidFill>
+                  <a:schemeClr val="tx1"/>
+                </a:solidFill>
+                <a:miter lim="800000"/>
+                <a:headEnd/>
+                <a:tailEnd/>
+              </a14:hiddenLine>
+            </a:ext>
+            <a:ext uri="{AF507438-7753-43E0-B8FC-AC1667EBCBE1}">
+              <a14:hiddenEffects xmlns:a14="http://schemas.microsoft.com/office/drawing/2010/main">
+                <a:effectLst>
+                  <a:outerShdw dist="35921" dir="2700000" algn="ctr" rotWithShape="0">
+                    <a:schemeClr val="bg2"/>
+                  </a:outerShdw>
+                </a:effectLst>
+              </a14:hiddenEffects>
+            </a:ext>
+          </a:extLst>
+        </p:spPr>
+        <p:txBody>
+          <a:bodyPr vert="horz" wrap="none" lIns="91440" tIns="45720" rIns="91440" bIns="45720" numCol="1" anchor="ctr" anchorCtr="0" compatLnSpc="1">
+            <a:prstTxWarp prst="textNoShape">
+              <a:avLst/>
+            </a:prstTxWarp>
+            <a:spAutoFit/>
+          </a:bodyPr>
+          <a:lstStyle/>
+          <a:p>
+            <a:pPr marL="0" marR="0" lvl="0" indent="0" algn="l" defTabSz="914400" rtl="0" eaLnBrk="0" fontAlgn="base" latinLnBrk="0" hangingPunct="0">
+              <a:lnSpc>
+                <a:spcPct val="100000"/>
+              </a:lnSpc>
+              <a:spcBef>
+                <a:spcPct val="0"/>
+              </a:spcBef>
+              <a:spcAft>
+                <a:spcPct val="0"/>
+              </a:spcAft>
+              <a:buClrTx/>
+              <a:buSzTx/>
+              <a:buFontTx/>
+              <a:buNone/>
+              <a:tabLst/>
+            </a:pPr>
+            <a:r>
+              <a:rPr kumimoji="0" lang="zh-TW" altLang="zh-TW" sz="1600" b="0" i="0" u="none" strike="noStrike" cap="none" normalizeH="0" baseline="0">
+                <a:ln>
+                  <a:noFill/>
+                </a:ln>
+                <a:solidFill>
+                  <a:srgbClr val="CF8E6D"/>
+                </a:solidFill>
+                <a:effectLst/>
+                <a:latin typeface="+mj-lt"/>
+                <a:cs typeface="JetBrains Mono" panose="02000009000000000000" pitchFamily="49" charset="0"/>
+              </a:rPr>
+              <a:t>import </a:t>
+            </a:r>
+            <a:r>
+              <a:rPr kumimoji="0" lang="zh-TW" altLang="zh-TW" sz="1600" b="0" i="0" u="none" strike="noStrike" cap="none" normalizeH="0" baseline="0">
+                <a:ln>
+                  <a:noFill/>
+                </a:ln>
+                <a:solidFill>
+                  <a:srgbClr val="BCBEC4"/>
+                </a:solidFill>
+                <a:effectLst/>
+                <a:latin typeface="+mj-lt"/>
+                <a:cs typeface="JetBrains Mono" panose="02000009000000000000" pitchFamily="49" charset="0"/>
+              </a:rPr>
+              <a:t>java.util.Scanner;</a:t>
+            </a:r>
+            <a:br>
+              <a:rPr kumimoji="0" lang="zh-TW" altLang="zh-TW" sz="1600" b="0" i="0" u="none" strike="noStrike" cap="none" normalizeH="0" baseline="0">
+                <a:ln>
+                  <a:noFill/>
+                </a:ln>
+                <a:solidFill>
+                  <a:srgbClr val="BCBEC4"/>
+                </a:solidFill>
+                <a:effectLst/>
+                <a:latin typeface="+mj-lt"/>
+                <a:cs typeface="JetBrains Mono" panose="02000009000000000000" pitchFamily="49" charset="0"/>
+              </a:rPr>
+            </a:br>
+            <a:br>
+              <a:rPr kumimoji="0" lang="zh-TW" altLang="zh-TW" sz="1600" b="0" i="0" u="none" strike="noStrike" cap="none" normalizeH="0" baseline="0">
+                <a:ln>
+                  <a:noFill/>
+                </a:ln>
+                <a:solidFill>
+                  <a:srgbClr val="BCBEC4"/>
+                </a:solidFill>
+                <a:effectLst/>
+                <a:latin typeface="+mj-lt"/>
+                <a:cs typeface="JetBrains Mono" panose="02000009000000000000" pitchFamily="49" charset="0"/>
+              </a:rPr>
+            </a:br>
+            <a:r>
+              <a:rPr kumimoji="0" lang="zh-TW" altLang="zh-TW" sz="1600" b="0" i="0" u="none" strike="noStrike" cap="none" normalizeH="0" baseline="0">
+                <a:ln>
+                  <a:noFill/>
+                </a:ln>
+                <a:solidFill>
+                  <a:srgbClr val="CF8E6D"/>
+                </a:solidFill>
+                <a:effectLst/>
+                <a:latin typeface="+mj-lt"/>
+                <a:cs typeface="JetBrains Mono" panose="02000009000000000000" pitchFamily="49" charset="0"/>
+              </a:rPr>
+              <a:t>public class </a:t>
+            </a:r>
+            <a:r>
+              <a:rPr kumimoji="0" lang="zh-TW" altLang="zh-TW" sz="1600" b="0" i="0" u="none" strike="noStrike" cap="none" normalizeH="0" baseline="0">
+                <a:ln>
+                  <a:noFill/>
+                </a:ln>
+                <a:solidFill>
+                  <a:srgbClr val="BCBEC4"/>
+                </a:solidFill>
+                <a:effectLst/>
+                <a:latin typeface="+mj-lt"/>
+                <a:cs typeface="JetBrains Mono" panose="02000009000000000000" pitchFamily="49" charset="0"/>
+              </a:rPr>
+              <a:t>Main {</a:t>
+            </a:r>
+            <a:br>
+              <a:rPr kumimoji="0" lang="zh-TW" altLang="zh-TW" sz="1600" b="0" i="0" u="none" strike="noStrike" cap="none" normalizeH="0" baseline="0">
+                <a:ln>
+                  <a:noFill/>
+                </a:ln>
+                <a:solidFill>
+                  <a:srgbClr val="BCBEC4"/>
+                </a:solidFill>
+                <a:effectLst/>
+                <a:latin typeface="+mj-lt"/>
+                <a:cs typeface="JetBrains Mono" panose="02000009000000000000" pitchFamily="49" charset="0"/>
+              </a:rPr>
+            </a:br>
+            <a:r>
+              <a:rPr kumimoji="0" lang="zh-TW" altLang="zh-TW" sz="1600" b="0" i="0" u="none" strike="noStrike" cap="none" normalizeH="0" baseline="0">
+                <a:ln>
+                  <a:noFill/>
+                </a:ln>
+                <a:solidFill>
+                  <a:srgbClr val="BCBEC4"/>
+                </a:solidFill>
+                <a:effectLst/>
+                <a:latin typeface="+mj-lt"/>
+                <a:cs typeface="JetBrains Mono" panose="02000009000000000000" pitchFamily="49" charset="0"/>
+              </a:rPr>
+              <a:t>    </a:t>
+            </a:r>
+            <a:r>
+              <a:rPr kumimoji="0" lang="zh-TW" altLang="zh-TW" sz="1600" b="0" i="0" u="none" strike="noStrike" cap="none" normalizeH="0" baseline="0">
+                <a:ln>
+                  <a:noFill/>
+                </a:ln>
+                <a:solidFill>
+                  <a:srgbClr val="CF8E6D"/>
+                </a:solidFill>
+                <a:effectLst/>
+                <a:latin typeface="+mj-lt"/>
+                <a:cs typeface="JetBrains Mono" panose="02000009000000000000" pitchFamily="49" charset="0"/>
+              </a:rPr>
+              <a:t>public static void </a:t>
+            </a:r>
+            <a:r>
+              <a:rPr kumimoji="0" lang="zh-TW" altLang="zh-TW" sz="1600" b="0" i="0" u="none" strike="noStrike" cap="none" normalizeH="0" baseline="0">
+                <a:ln>
+                  <a:noFill/>
+                </a:ln>
+                <a:solidFill>
+                  <a:srgbClr val="56A8F5"/>
+                </a:solidFill>
+                <a:effectLst/>
+                <a:latin typeface="+mj-lt"/>
+                <a:cs typeface="JetBrains Mono" panose="02000009000000000000" pitchFamily="49" charset="0"/>
+              </a:rPr>
+              <a:t>main</a:t>
+            </a:r>
+            <a:r>
+              <a:rPr kumimoji="0" lang="zh-TW" altLang="zh-TW" sz="1600" b="0" i="0" u="none" strike="noStrike" cap="none" normalizeH="0" baseline="0">
+                <a:ln>
+                  <a:noFill/>
+                </a:ln>
+                <a:solidFill>
+                  <a:srgbClr val="BCBEC4"/>
+                </a:solidFill>
+                <a:effectLst/>
+                <a:latin typeface="+mj-lt"/>
+                <a:cs typeface="JetBrains Mono" panose="02000009000000000000" pitchFamily="49" charset="0"/>
+              </a:rPr>
+              <a:t>(String[] args) {</a:t>
+            </a:r>
+            <a:br>
+              <a:rPr kumimoji="0" lang="zh-TW" altLang="zh-TW" sz="1600" b="0" i="0" u="none" strike="noStrike" cap="none" normalizeH="0" baseline="0">
+                <a:ln>
+                  <a:noFill/>
+                </a:ln>
+                <a:solidFill>
+                  <a:srgbClr val="BCBEC4"/>
+                </a:solidFill>
+                <a:effectLst/>
+                <a:latin typeface="+mj-lt"/>
+                <a:cs typeface="JetBrains Mono" panose="02000009000000000000" pitchFamily="49" charset="0"/>
+              </a:rPr>
+            </a:br>
+            <a:r>
+              <a:rPr kumimoji="0" lang="zh-TW" altLang="zh-TW" sz="1600" b="0" i="0" u="none" strike="noStrike" cap="none" normalizeH="0" baseline="0">
+                <a:ln>
+                  <a:noFill/>
+                </a:ln>
+                <a:solidFill>
+                  <a:srgbClr val="BCBEC4"/>
+                </a:solidFill>
+                <a:effectLst/>
+                <a:latin typeface="+mj-lt"/>
+                <a:cs typeface="JetBrains Mono" panose="02000009000000000000" pitchFamily="49" charset="0"/>
+              </a:rPr>
+              <a:t>        Scanner scanner = </a:t>
+            </a:r>
+            <a:r>
+              <a:rPr kumimoji="0" lang="zh-TW" altLang="zh-TW" sz="1600" b="0" i="0" u="none" strike="noStrike" cap="none" normalizeH="0" baseline="0">
+                <a:ln>
+                  <a:noFill/>
+                </a:ln>
+                <a:solidFill>
+                  <a:srgbClr val="CF8E6D"/>
+                </a:solidFill>
+                <a:effectLst/>
+                <a:latin typeface="+mj-lt"/>
+                <a:cs typeface="JetBrains Mono" panose="02000009000000000000" pitchFamily="49" charset="0"/>
+              </a:rPr>
+              <a:t>new </a:t>
+            </a:r>
+            <a:r>
+              <a:rPr kumimoji="0" lang="zh-TW" altLang="zh-TW" sz="1600" b="0" i="0" u="none" strike="noStrike" cap="none" normalizeH="0" baseline="0">
+                <a:ln>
+                  <a:noFill/>
+                </a:ln>
+                <a:solidFill>
+                  <a:srgbClr val="BCBEC4"/>
+                </a:solidFill>
+                <a:effectLst/>
+                <a:latin typeface="+mj-lt"/>
+                <a:cs typeface="JetBrains Mono" panose="02000009000000000000" pitchFamily="49" charset="0"/>
+              </a:rPr>
+              <a:t>Scanner(System.</a:t>
+            </a:r>
+            <a:r>
+              <a:rPr kumimoji="0" lang="zh-TW" altLang="zh-TW" sz="1600" b="0" i="1" u="none" strike="noStrike" cap="none" normalizeH="0" baseline="0">
+                <a:ln>
+                  <a:noFill/>
+                </a:ln>
+                <a:solidFill>
+                  <a:srgbClr val="C77DBB"/>
+                </a:solidFill>
+                <a:effectLst/>
+                <a:latin typeface="+mj-lt"/>
+                <a:cs typeface="JetBrains Mono" panose="02000009000000000000" pitchFamily="49" charset="0"/>
+              </a:rPr>
+              <a:t>in</a:t>
+            </a:r>
+            <a:r>
+              <a:rPr kumimoji="0" lang="zh-TW" altLang="zh-TW" sz="1600" b="0" i="0" u="none" strike="noStrike" cap="none" normalizeH="0" baseline="0">
+                <a:ln>
+                  <a:noFill/>
+                </a:ln>
+                <a:solidFill>
+                  <a:srgbClr val="BCBEC4"/>
+                </a:solidFill>
+                <a:effectLst/>
+                <a:latin typeface="+mj-lt"/>
+                <a:cs typeface="JetBrains Mono" panose="02000009000000000000" pitchFamily="49" charset="0"/>
+              </a:rPr>
+              <a:t>);</a:t>
+            </a:r>
+            <a:br>
+              <a:rPr kumimoji="0" lang="zh-TW" altLang="zh-TW" sz="1600" b="0" i="0" u="none" strike="noStrike" cap="none" normalizeH="0" baseline="0">
+                <a:ln>
+                  <a:noFill/>
+                </a:ln>
+                <a:solidFill>
+                  <a:srgbClr val="BCBEC4"/>
+                </a:solidFill>
+                <a:effectLst/>
+                <a:latin typeface="+mj-lt"/>
+                <a:cs typeface="JetBrains Mono" panose="02000009000000000000" pitchFamily="49" charset="0"/>
+              </a:rPr>
+            </a:br>
+            <a:r>
+              <a:rPr kumimoji="0" lang="zh-TW" altLang="zh-TW" sz="1600" b="0" i="0" u="none" strike="noStrike" cap="none" normalizeH="0" baseline="0">
+                <a:ln>
+                  <a:noFill/>
+                </a:ln>
+                <a:solidFill>
+                  <a:srgbClr val="BCBEC4"/>
+                </a:solidFill>
+                <a:effectLst/>
+                <a:latin typeface="+mj-lt"/>
+                <a:cs typeface="JetBrains Mono" panose="02000009000000000000" pitchFamily="49" charset="0"/>
+              </a:rPr>
+              <a:t>        </a:t>
+            </a:r>
+            <a:r>
+              <a:rPr kumimoji="0" lang="zh-TW" altLang="zh-TW" sz="1600" b="0" i="0" u="none" strike="noStrike" cap="none" normalizeH="0" baseline="0">
+                <a:ln>
+                  <a:noFill/>
+                </a:ln>
+                <a:solidFill>
+                  <a:srgbClr val="CF8E6D"/>
+                </a:solidFill>
+                <a:effectLst/>
+                <a:latin typeface="+mj-lt"/>
+                <a:cs typeface="JetBrains Mono" panose="02000009000000000000" pitchFamily="49" charset="0"/>
+              </a:rPr>
+              <a:t>int </a:t>
+            </a:r>
+            <a:r>
+              <a:rPr kumimoji="0" lang="zh-TW" altLang="zh-TW" sz="1600" b="0" i="0" u="none" strike="noStrike" cap="none" normalizeH="0" baseline="0">
+                <a:ln>
+                  <a:noFill/>
+                </a:ln>
+                <a:solidFill>
+                  <a:srgbClr val="BCBEC4"/>
+                </a:solidFill>
+                <a:effectLst/>
+                <a:latin typeface="+mj-lt"/>
+                <a:cs typeface="JetBrains Mono" panose="02000009000000000000" pitchFamily="49" charset="0"/>
+              </a:rPr>
+              <a:t>n = scanner.nextInt();</a:t>
+            </a:r>
+            <a:br>
+              <a:rPr kumimoji="0" lang="zh-TW" altLang="zh-TW" sz="1600" b="0" i="0" u="none" strike="noStrike" cap="none" normalizeH="0" baseline="0">
+                <a:ln>
+                  <a:noFill/>
+                </a:ln>
+                <a:solidFill>
+                  <a:srgbClr val="BCBEC4"/>
+                </a:solidFill>
+                <a:effectLst/>
+                <a:latin typeface="+mj-lt"/>
+                <a:cs typeface="JetBrains Mono" panose="02000009000000000000" pitchFamily="49" charset="0"/>
+              </a:rPr>
+            </a:br>
+            <a:r>
+              <a:rPr kumimoji="0" lang="zh-TW" altLang="zh-TW" sz="1600" b="0" i="0" u="none" strike="noStrike" cap="none" normalizeH="0" baseline="0">
+                <a:ln>
+                  <a:noFill/>
+                </a:ln>
+                <a:solidFill>
+                  <a:srgbClr val="BCBEC4"/>
+                </a:solidFill>
+                <a:effectLst/>
+                <a:latin typeface="+mj-lt"/>
+                <a:cs typeface="JetBrains Mono" panose="02000009000000000000" pitchFamily="49" charset="0"/>
+              </a:rPr>
+              <a:t>        </a:t>
+            </a:r>
+            <a:r>
+              <a:rPr kumimoji="0" lang="zh-TW" altLang="zh-TW" sz="1600" b="0" i="0" u="none" strike="noStrike" cap="none" normalizeH="0" baseline="0">
+                <a:ln>
+                  <a:noFill/>
+                </a:ln>
+                <a:solidFill>
+                  <a:srgbClr val="CF8E6D"/>
+                </a:solidFill>
+                <a:effectLst/>
+                <a:latin typeface="+mj-lt"/>
+                <a:cs typeface="JetBrains Mono" panose="02000009000000000000" pitchFamily="49" charset="0"/>
+              </a:rPr>
+              <a:t>int </a:t>
+            </a:r>
+            <a:r>
+              <a:rPr kumimoji="0" lang="zh-TW" altLang="zh-TW" sz="1600" b="0" i="0" u="none" strike="noStrike" cap="none" normalizeH="0" baseline="0">
+                <a:ln>
+                  <a:noFill/>
+                </a:ln>
+                <a:solidFill>
+                  <a:srgbClr val="BCBEC4"/>
+                </a:solidFill>
+                <a:effectLst/>
+                <a:latin typeface="+mj-lt"/>
+                <a:cs typeface="JetBrains Mono" panose="02000009000000000000" pitchFamily="49" charset="0"/>
+              </a:rPr>
+              <a:t>min = </a:t>
+            </a:r>
+            <a:r>
+              <a:rPr kumimoji="0" lang="zh-TW" altLang="zh-TW" sz="1600" b="0" i="0" u="none" strike="noStrike" cap="none" normalizeH="0" baseline="0">
+                <a:ln>
+                  <a:noFill/>
+                </a:ln>
+                <a:solidFill>
+                  <a:srgbClr val="2AACB8"/>
+                </a:solidFill>
+                <a:effectLst/>
+                <a:latin typeface="+mj-lt"/>
+                <a:cs typeface="JetBrains Mono" panose="02000009000000000000" pitchFamily="49" charset="0"/>
+              </a:rPr>
+              <a:t>100005</a:t>
+            </a:r>
+            <a:r>
+              <a:rPr kumimoji="0" lang="zh-TW" altLang="zh-TW" sz="1600" b="0" i="0" u="none" strike="noStrike" cap="none" normalizeH="0" baseline="0">
+                <a:ln>
+                  <a:noFill/>
+                </a:ln>
+                <a:solidFill>
+                  <a:srgbClr val="BCBEC4"/>
+                </a:solidFill>
+                <a:effectLst/>
+                <a:latin typeface="+mj-lt"/>
+                <a:cs typeface="JetBrains Mono" panose="02000009000000000000" pitchFamily="49" charset="0"/>
+              </a:rPr>
+              <a:t>, max = -</a:t>
+            </a:r>
+            <a:r>
+              <a:rPr kumimoji="0" lang="zh-TW" altLang="zh-TW" sz="1600" b="0" i="0" u="none" strike="noStrike" cap="none" normalizeH="0" baseline="0">
+                <a:ln>
+                  <a:noFill/>
+                </a:ln>
+                <a:solidFill>
+                  <a:srgbClr val="2AACB8"/>
+                </a:solidFill>
+                <a:effectLst/>
+                <a:latin typeface="+mj-lt"/>
+                <a:cs typeface="JetBrains Mono" panose="02000009000000000000" pitchFamily="49" charset="0"/>
+              </a:rPr>
+              <a:t>100005</a:t>
+            </a:r>
+            <a:r>
+              <a:rPr kumimoji="0" lang="zh-TW" altLang="zh-TW" sz="1600" b="0" i="0" u="none" strike="noStrike" cap="none" normalizeH="0" baseline="0">
+                <a:ln>
+                  <a:noFill/>
+                </a:ln>
+                <a:solidFill>
+                  <a:srgbClr val="BCBEC4"/>
+                </a:solidFill>
+                <a:effectLst/>
+                <a:latin typeface="+mj-lt"/>
+                <a:cs typeface="JetBrains Mono" panose="02000009000000000000" pitchFamily="49" charset="0"/>
+              </a:rPr>
+              <a:t>;</a:t>
+            </a:r>
+            <a:br>
+              <a:rPr kumimoji="0" lang="zh-TW" altLang="zh-TW" sz="1600" b="0" i="0" u="none" strike="noStrike" cap="none" normalizeH="0" baseline="0">
+                <a:ln>
+                  <a:noFill/>
+                </a:ln>
+                <a:solidFill>
+                  <a:srgbClr val="BCBEC4"/>
+                </a:solidFill>
+                <a:effectLst/>
+                <a:latin typeface="+mj-lt"/>
+                <a:cs typeface="JetBrains Mono" panose="02000009000000000000" pitchFamily="49" charset="0"/>
+              </a:rPr>
+            </a:br>
+            <a:r>
+              <a:rPr kumimoji="0" lang="zh-TW" altLang="zh-TW" sz="1600" b="0" i="0" u="none" strike="noStrike" cap="none" normalizeH="0" baseline="0">
+                <a:ln>
+                  <a:noFill/>
+                </a:ln>
+                <a:solidFill>
+                  <a:srgbClr val="BCBEC4"/>
+                </a:solidFill>
+                <a:effectLst/>
+                <a:latin typeface="+mj-lt"/>
+                <a:cs typeface="JetBrains Mono" panose="02000009000000000000" pitchFamily="49" charset="0"/>
+              </a:rPr>
+              <a:t>        </a:t>
+            </a:r>
+            <a:r>
+              <a:rPr kumimoji="0" lang="zh-TW" altLang="zh-TW" sz="1600" b="0" i="0" u="none" strike="noStrike" cap="none" normalizeH="0" baseline="0">
+                <a:ln>
+                  <a:noFill/>
+                </a:ln>
+                <a:solidFill>
+                  <a:srgbClr val="CF8E6D"/>
+                </a:solidFill>
+                <a:effectLst/>
+                <a:latin typeface="+mj-lt"/>
+                <a:cs typeface="JetBrains Mono" panose="02000009000000000000" pitchFamily="49" charset="0"/>
+              </a:rPr>
+              <a:t>for </a:t>
+            </a:r>
+            <a:r>
+              <a:rPr kumimoji="0" lang="zh-TW" altLang="zh-TW" sz="1600" b="0" i="0" u="none" strike="noStrike" cap="none" normalizeH="0" baseline="0">
+                <a:ln>
+                  <a:noFill/>
+                </a:ln>
+                <a:solidFill>
+                  <a:srgbClr val="BCBEC4"/>
+                </a:solidFill>
+                <a:effectLst/>
+                <a:latin typeface="+mj-lt"/>
+                <a:cs typeface="JetBrains Mono" panose="02000009000000000000" pitchFamily="49" charset="0"/>
+              </a:rPr>
+              <a:t>(</a:t>
+            </a:r>
+            <a:r>
+              <a:rPr kumimoji="0" lang="zh-TW" altLang="zh-TW" sz="1600" b="0" i="0" u="none" strike="noStrike" cap="none" normalizeH="0" baseline="0">
+                <a:ln>
+                  <a:noFill/>
+                </a:ln>
+                <a:solidFill>
+                  <a:srgbClr val="CF8E6D"/>
+                </a:solidFill>
+                <a:effectLst/>
+                <a:latin typeface="+mj-lt"/>
+                <a:cs typeface="JetBrains Mono" panose="02000009000000000000" pitchFamily="49" charset="0"/>
+              </a:rPr>
+              <a:t>int </a:t>
+            </a:r>
+            <a:r>
+              <a:rPr kumimoji="0" lang="zh-TW" altLang="zh-TW" sz="1600" b="0" i="0" u="none" strike="noStrike" cap="none" normalizeH="0" baseline="0">
+                <a:ln>
+                  <a:noFill/>
+                </a:ln>
+                <a:solidFill>
+                  <a:srgbClr val="BCBEC4"/>
+                </a:solidFill>
+                <a:effectLst/>
+                <a:latin typeface="+mj-lt"/>
+                <a:cs typeface="JetBrains Mono" panose="02000009000000000000" pitchFamily="49" charset="0"/>
+              </a:rPr>
+              <a:t>i = </a:t>
+            </a:r>
+            <a:r>
+              <a:rPr kumimoji="0" lang="zh-TW" altLang="zh-TW" sz="1600" b="0" i="0" u="none" strike="noStrike" cap="none" normalizeH="0" baseline="0">
+                <a:ln>
+                  <a:noFill/>
+                </a:ln>
+                <a:solidFill>
+                  <a:srgbClr val="2AACB8"/>
+                </a:solidFill>
+                <a:effectLst/>
+                <a:latin typeface="+mj-lt"/>
+                <a:cs typeface="JetBrains Mono" panose="02000009000000000000" pitchFamily="49" charset="0"/>
+              </a:rPr>
+              <a:t>0</a:t>
+            </a:r>
+            <a:r>
+              <a:rPr kumimoji="0" lang="zh-TW" altLang="zh-TW" sz="1600" b="0" i="0" u="none" strike="noStrike" cap="none" normalizeH="0" baseline="0">
+                <a:ln>
+                  <a:noFill/>
+                </a:ln>
+                <a:solidFill>
+                  <a:srgbClr val="BCBEC4"/>
+                </a:solidFill>
+                <a:effectLst/>
+                <a:latin typeface="+mj-lt"/>
+                <a:cs typeface="JetBrains Mono" panose="02000009000000000000" pitchFamily="49" charset="0"/>
+              </a:rPr>
+              <a:t>; i &lt; n; i++) {</a:t>
+            </a:r>
+            <a:br>
+              <a:rPr kumimoji="0" lang="zh-TW" altLang="zh-TW" sz="1600" b="0" i="0" u="none" strike="noStrike" cap="none" normalizeH="0" baseline="0">
+                <a:ln>
+                  <a:noFill/>
+                </a:ln>
+                <a:solidFill>
+                  <a:srgbClr val="BCBEC4"/>
+                </a:solidFill>
+                <a:effectLst/>
+                <a:latin typeface="+mj-lt"/>
+                <a:cs typeface="JetBrains Mono" panose="02000009000000000000" pitchFamily="49" charset="0"/>
+              </a:rPr>
+            </a:br>
+            <a:r>
+              <a:rPr kumimoji="0" lang="zh-TW" altLang="zh-TW" sz="1600" b="0" i="0" u="none" strike="noStrike" cap="none" normalizeH="0" baseline="0">
+                <a:ln>
+                  <a:noFill/>
+                </a:ln>
+                <a:solidFill>
+                  <a:srgbClr val="BCBEC4"/>
+                </a:solidFill>
+                <a:effectLst/>
+                <a:latin typeface="+mj-lt"/>
+                <a:cs typeface="JetBrains Mono" panose="02000009000000000000" pitchFamily="49" charset="0"/>
+              </a:rPr>
+              <a:t>            </a:t>
+            </a:r>
+            <a:r>
+              <a:rPr kumimoji="0" lang="zh-TW" altLang="zh-TW" sz="1600" b="0" i="0" u="none" strike="noStrike" cap="none" normalizeH="0" baseline="0">
+                <a:ln>
+                  <a:noFill/>
+                </a:ln>
+                <a:solidFill>
+                  <a:srgbClr val="CF8E6D"/>
+                </a:solidFill>
+                <a:effectLst/>
+                <a:latin typeface="+mj-lt"/>
+                <a:cs typeface="JetBrains Mono" panose="02000009000000000000" pitchFamily="49" charset="0"/>
+              </a:rPr>
+              <a:t>int </a:t>
+            </a:r>
+            <a:r>
+              <a:rPr kumimoji="0" lang="zh-TW" altLang="zh-TW" sz="1600" b="0" i="0" u="none" strike="noStrike" cap="none" normalizeH="0" baseline="0">
+                <a:ln>
+                  <a:noFill/>
+                </a:ln>
+                <a:solidFill>
+                  <a:srgbClr val="BCBEC4"/>
+                </a:solidFill>
+                <a:effectLst/>
+                <a:latin typeface="+mj-lt"/>
+                <a:cs typeface="JetBrains Mono" panose="02000009000000000000" pitchFamily="49" charset="0"/>
+              </a:rPr>
+              <a:t>v = scanner.nextInt();</a:t>
+            </a:r>
+            <a:br>
+              <a:rPr kumimoji="0" lang="zh-TW" altLang="zh-TW" sz="1600" b="0" i="0" u="none" strike="noStrike" cap="none" normalizeH="0" baseline="0">
+                <a:ln>
+                  <a:noFill/>
+                </a:ln>
+                <a:solidFill>
+                  <a:srgbClr val="BCBEC4"/>
+                </a:solidFill>
+                <a:effectLst/>
+                <a:latin typeface="+mj-lt"/>
+                <a:cs typeface="JetBrains Mono" panose="02000009000000000000" pitchFamily="49" charset="0"/>
+              </a:rPr>
+            </a:br>
+            <a:r>
+              <a:rPr kumimoji="0" lang="zh-TW" altLang="zh-TW" sz="1600" b="0" i="0" u="none" strike="noStrike" cap="none" normalizeH="0" baseline="0">
+                <a:ln>
+                  <a:noFill/>
+                </a:ln>
+                <a:solidFill>
+                  <a:srgbClr val="BCBEC4"/>
+                </a:solidFill>
+                <a:effectLst/>
+                <a:latin typeface="+mj-lt"/>
+                <a:cs typeface="JetBrains Mono" panose="02000009000000000000" pitchFamily="49" charset="0"/>
+              </a:rPr>
+              <a:t>            </a:t>
+            </a:r>
+            <a:r>
+              <a:rPr kumimoji="0" lang="zh-TW" altLang="zh-TW" sz="1600" b="0" i="0" u="none" strike="noStrike" cap="none" normalizeH="0" baseline="0">
+                <a:ln>
+                  <a:noFill/>
+                </a:ln>
+                <a:solidFill>
+                  <a:srgbClr val="CF8E6D"/>
+                </a:solidFill>
+                <a:effectLst/>
+                <a:latin typeface="+mj-lt"/>
+                <a:cs typeface="JetBrains Mono" panose="02000009000000000000" pitchFamily="49" charset="0"/>
+              </a:rPr>
+              <a:t>if </a:t>
+            </a:r>
+            <a:r>
+              <a:rPr kumimoji="0" lang="zh-TW" altLang="zh-TW" sz="1600" b="0" i="0" u="none" strike="noStrike" cap="none" normalizeH="0" baseline="0">
+                <a:ln>
+                  <a:noFill/>
+                </a:ln>
+                <a:solidFill>
+                  <a:srgbClr val="BCBEC4"/>
+                </a:solidFill>
+                <a:effectLst/>
+                <a:latin typeface="+mj-lt"/>
+                <a:cs typeface="JetBrains Mono" panose="02000009000000000000" pitchFamily="49" charset="0"/>
+              </a:rPr>
+              <a:t>(v &gt; max) {</a:t>
+            </a:r>
+            <a:br>
+              <a:rPr kumimoji="0" lang="zh-TW" altLang="zh-TW" sz="1600" b="0" i="0" u="none" strike="noStrike" cap="none" normalizeH="0" baseline="0">
+                <a:ln>
+                  <a:noFill/>
+                </a:ln>
+                <a:solidFill>
+                  <a:srgbClr val="BCBEC4"/>
+                </a:solidFill>
+                <a:effectLst/>
+                <a:latin typeface="+mj-lt"/>
+                <a:cs typeface="JetBrains Mono" panose="02000009000000000000" pitchFamily="49" charset="0"/>
+              </a:rPr>
+            </a:br>
+            <a:r>
+              <a:rPr kumimoji="0" lang="zh-TW" altLang="zh-TW" sz="1600" b="0" i="0" u="none" strike="noStrike" cap="none" normalizeH="0" baseline="0">
+                <a:ln>
+                  <a:noFill/>
+                </a:ln>
+                <a:solidFill>
+                  <a:srgbClr val="BCBEC4"/>
+                </a:solidFill>
+                <a:effectLst/>
+                <a:latin typeface="+mj-lt"/>
+                <a:cs typeface="JetBrains Mono" panose="02000009000000000000" pitchFamily="49" charset="0"/>
+              </a:rPr>
+              <a:t>                max = v;</a:t>
+            </a:r>
+            <a:br>
+              <a:rPr kumimoji="0" lang="zh-TW" altLang="zh-TW" sz="1600" b="0" i="0" u="none" strike="noStrike" cap="none" normalizeH="0" baseline="0">
+                <a:ln>
+                  <a:noFill/>
+                </a:ln>
+                <a:solidFill>
+                  <a:srgbClr val="BCBEC4"/>
+                </a:solidFill>
+                <a:effectLst/>
+                <a:latin typeface="+mj-lt"/>
+                <a:cs typeface="JetBrains Mono" panose="02000009000000000000" pitchFamily="49" charset="0"/>
+              </a:rPr>
+            </a:br>
+            <a:r>
+              <a:rPr kumimoji="0" lang="zh-TW" altLang="zh-TW" sz="1600" b="0" i="0" u="none" strike="noStrike" cap="none" normalizeH="0" baseline="0">
+                <a:ln>
+                  <a:noFill/>
+                </a:ln>
+                <a:solidFill>
+                  <a:srgbClr val="BCBEC4"/>
+                </a:solidFill>
+                <a:effectLst/>
+                <a:latin typeface="+mj-lt"/>
+                <a:cs typeface="JetBrains Mono" panose="02000009000000000000" pitchFamily="49" charset="0"/>
+              </a:rPr>
+              <a:t>            }</a:t>
+            </a:r>
+            <a:br>
+              <a:rPr kumimoji="0" lang="zh-TW" altLang="zh-TW" sz="1600" b="0" i="0" u="none" strike="noStrike" cap="none" normalizeH="0" baseline="0">
+                <a:ln>
+                  <a:noFill/>
+                </a:ln>
+                <a:solidFill>
+                  <a:srgbClr val="BCBEC4"/>
+                </a:solidFill>
+                <a:effectLst/>
+                <a:latin typeface="+mj-lt"/>
+                <a:cs typeface="JetBrains Mono" panose="02000009000000000000" pitchFamily="49" charset="0"/>
+              </a:rPr>
+            </a:br>
+            <a:r>
+              <a:rPr kumimoji="0" lang="zh-TW" altLang="zh-TW" sz="1600" b="0" i="0" u="none" strike="noStrike" cap="none" normalizeH="0" baseline="0">
+                <a:ln>
+                  <a:noFill/>
+                </a:ln>
+                <a:solidFill>
+                  <a:srgbClr val="BCBEC4"/>
+                </a:solidFill>
+                <a:effectLst/>
+                <a:latin typeface="+mj-lt"/>
+                <a:cs typeface="JetBrains Mono" panose="02000009000000000000" pitchFamily="49" charset="0"/>
+              </a:rPr>
+              <a:t>            </a:t>
+            </a:r>
+            <a:r>
+              <a:rPr kumimoji="0" lang="zh-TW" altLang="zh-TW" sz="1600" b="0" i="0" u="none" strike="noStrike" cap="none" normalizeH="0" baseline="0">
+                <a:ln>
+                  <a:noFill/>
+                </a:ln>
+                <a:solidFill>
+                  <a:srgbClr val="CF8E6D"/>
+                </a:solidFill>
+                <a:effectLst/>
+                <a:latin typeface="+mj-lt"/>
+                <a:cs typeface="JetBrains Mono" panose="02000009000000000000" pitchFamily="49" charset="0"/>
+              </a:rPr>
+              <a:t>if </a:t>
+            </a:r>
+            <a:r>
+              <a:rPr kumimoji="0" lang="zh-TW" altLang="zh-TW" sz="1600" b="0" i="0" u="none" strike="noStrike" cap="none" normalizeH="0" baseline="0">
+                <a:ln>
+                  <a:noFill/>
+                </a:ln>
+                <a:solidFill>
+                  <a:srgbClr val="BCBEC4"/>
+                </a:solidFill>
+                <a:effectLst/>
+                <a:latin typeface="+mj-lt"/>
+                <a:cs typeface="JetBrains Mono" panose="02000009000000000000" pitchFamily="49" charset="0"/>
+              </a:rPr>
+              <a:t>(v &lt; min) {</a:t>
+            </a:r>
+            <a:br>
+              <a:rPr kumimoji="0" lang="zh-TW" altLang="zh-TW" sz="1600" b="0" i="0" u="none" strike="noStrike" cap="none" normalizeH="0" baseline="0">
+                <a:ln>
+                  <a:noFill/>
+                </a:ln>
+                <a:solidFill>
+                  <a:srgbClr val="BCBEC4"/>
+                </a:solidFill>
+                <a:effectLst/>
+                <a:latin typeface="+mj-lt"/>
+                <a:cs typeface="JetBrains Mono" panose="02000009000000000000" pitchFamily="49" charset="0"/>
+              </a:rPr>
+            </a:br>
+            <a:r>
+              <a:rPr kumimoji="0" lang="zh-TW" altLang="zh-TW" sz="1600" b="0" i="0" u="none" strike="noStrike" cap="none" normalizeH="0" baseline="0">
+                <a:ln>
+                  <a:noFill/>
+                </a:ln>
+                <a:solidFill>
+                  <a:srgbClr val="BCBEC4"/>
+                </a:solidFill>
+                <a:effectLst/>
+                <a:latin typeface="+mj-lt"/>
+                <a:cs typeface="JetBrains Mono" panose="02000009000000000000" pitchFamily="49" charset="0"/>
+              </a:rPr>
+              <a:t>                min = v;</a:t>
+            </a:r>
+            <a:br>
+              <a:rPr kumimoji="0" lang="zh-TW" altLang="zh-TW" sz="1600" b="0" i="0" u="none" strike="noStrike" cap="none" normalizeH="0" baseline="0">
+                <a:ln>
+                  <a:noFill/>
+                </a:ln>
+                <a:solidFill>
+                  <a:srgbClr val="BCBEC4"/>
+                </a:solidFill>
+                <a:effectLst/>
+                <a:latin typeface="+mj-lt"/>
+                <a:cs typeface="JetBrains Mono" panose="02000009000000000000" pitchFamily="49" charset="0"/>
+              </a:rPr>
+            </a:br>
+            <a:r>
+              <a:rPr kumimoji="0" lang="zh-TW" altLang="zh-TW" sz="1600" b="0" i="0" u="none" strike="noStrike" cap="none" normalizeH="0" baseline="0">
+                <a:ln>
+                  <a:noFill/>
+                </a:ln>
+                <a:solidFill>
+                  <a:srgbClr val="BCBEC4"/>
+                </a:solidFill>
+                <a:effectLst/>
+                <a:latin typeface="+mj-lt"/>
+                <a:cs typeface="JetBrains Mono" panose="02000009000000000000" pitchFamily="49" charset="0"/>
+              </a:rPr>
+              <a:t>            }</a:t>
+            </a:r>
+            <a:br>
+              <a:rPr kumimoji="0" lang="zh-TW" altLang="zh-TW" sz="1600" b="0" i="0" u="none" strike="noStrike" cap="none" normalizeH="0" baseline="0">
+                <a:ln>
+                  <a:noFill/>
+                </a:ln>
+                <a:solidFill>
+                  <a:srgbClr val="BCBEC4"/>
+                </a:solidFill>
+                <a:effectLst/>
+                <a:latin typeface="+mj-lt"/>
+                <a:cs typeface="JetBrains Mono" panose="02000009000000000000" pitchFamily="49" charset="0"/>
+              </a:rPr>
+            </a:br>
+            <a:r>
+              <a:rPr kumimoji="0" lang="zh-TW" altLang="zh-TW" sz="1600" b="0" i="0" u="none" strike="noStrike" cap="none" normalizeH="0" baseline="0">
+                <a:ln>
+                  <a:noFill/>
+                </a:ln>
+                <a:solidFill>
+                  <a:srgbClr val="BCBEC4"/>
+                </a:solidFill>
+                <a:effectLst/>
+                <a:latin typeface="+mj-lt"/>
+                <a:cs typeface="JetBrains Mono" panose="02000009000000000000" pitchFamily="49" charset="0"/>
+              </a:rPr>
+              <a:t>        }</a:t>
+            </a:r>
+            <a:br>
+              <a:rPr kumimoji="0" lang="zh-TW" altLang="zh-TW" sz="1600" b="0" i="0" u="none" strike="noStrike" cap="none" normalizeH="0" baseline="0">
+                <a:ln>
+                  <a:noFill/>
+                </a:ln>
+                <a:solidFill>
+                  <a:srgbClr val="BCBEC4"/>
+                </a:solidFill>
+                <a:effectLst/>
+                <a:latin typeface="+mj-lt"/>
+                <a:cs typeface="JetBrains Mono" panose="02000009000000000000" pitchFamily="49" charset="0"/>
+              </a:rPr>
+            </a:br>
+            <a:r>
+              <a:rPr kumimoji="0" lang="zh-TW" altLang="zh-TW" sz="1600" b="0" i="0" u="none" strike="noStrike" cap="none" normalizeH="0" baseline="0">
+                <a:ln>
+                  <a:noFill/>
+                </a:ln>
+                <a:solidFill>
+                  <a:srgbClr val="BCBEC4"/>
+                </a:solidFill>
+                <a:effectLst/>
+                <a:latin typeface="+mj-lt"/>
+                <a:cs typeface="JetBrains Mono" panose="02000009000000000000" pitchFamily="49" charset="0"/>
+              </a:rPr>
+              <a:t>        System.</a:t>
+            </a:r>
+            <a:r>
+              <a:rPr kumimoji="0" lang="zh-TW" altLang="zh-TW" sz="1600" b="0" i="1" u="none" strike="noStrike" cap="none" normalizeH="0" baseline="0">
+                <a:ln>
+                  <a:noFill/>
+                </a:ln>
+                <a:solidFill>
+                  <a:srgbClr val="C77DBB"/>
+                </a:solidFill>
+                <a:effectLst/>
+                <a:latin typeface="+mj-lt"/>
+                <a:cs typeface="JetBrains Mono" panose="02000009000000000000" pitchFamily="49" charset="0"/>
+              </a:rPr>
+              <a:t>out</a:t>
+            </a:r>
+            <a:r>
+              <a:rPr kumimoji="0" lang="zh-TW" altLang="zh-TW" sz="1600" b="0" i="0" u="none" strike="noStrike" cap="none" normalizeH="0" baseline="0">
+                <a:ln>
+                  <a:noFill/>
+                </a:ln>
+                <a:solidFill>
+                  <a:srgbClr val="BCBEC4"/>
+                </a:solidFill>
+                <a:effectLst/>
+                <a:latin typeface="+mj-lt"/>
+                <a:cs typeface="JetBrains Mono" panose="02000009000000000000" pitchFamily="49" charset="0"/>
+              </a:rPr>
+              <a:t>.println(min + </a:t>
+            </a:r>
+            <a:r>
+              <a:rPr kumimoji="0" lang="zh-TW" altLang="zh-TW" sz="1600" b="0" i="0" u="none" strike="noStrike" cap="none" normalizeH="0" baseline="0">
+                <a:ln>
+                  <a:noFill/>
+                </a:ln>
+                <a:solidFill>
+                  <a:srgbClr val="6AAB73"/>
+                </a:solidFill>
+                <a:effectLst/>
+                <a:latin typeface="+mj-lt"/>
+                <a:cs typeface="JetBrains Mono" panose="02000009000000000000" pitchFamily="49" charset="0"/>
+              </a:rPr>
+              <a:t>" " </a:t>
+            </a:r>
+            <a:r>
+              <a:rPr kumimoji="0" lang="zh-TW" altLang="zh-TW" sz="1600" b="0" i="0" u="none" strike="noStrike" cap="none" normalizeH="0" baseline="0">
+                <a:ln>
+                  <a:noFill/>
+                </a:ln>
+                <a:solidFill>
+                  <a:srgbClr val="BCBEC4"/>
+                </a:solidFill>
+                <a:effectLst/>
+                <a:latin typeface="+mj-lt"/>
+                <a:cs typeface="JetBrains Mono" panose="02000009000000000000" pitchFamily="49" charset="0"/>
+              </a:rPr>
+              <a:t>+ max);</a:t>
+            </a:r>
+            <a:br>
+              <a:rPr kumimoji="0" lang="zh-TW" altLang="zh-TW" sz="1600" b="0" i="0" u="none" strike="noStrike" cap="none" normalizeH="0" baseline="0">
+                <a:ln>
+                  <a:noFill/>
+                </a:ln>
+                <a:solidFill>
+                  <a:srgbClr val="BCBEC4"/>
+                </a:solidFill>
+                <a:effectLst/>
+                <a:latin typeface="+mj-lt"/>
+                <a:cs typeface="JetBrains Mono" panose="02000009000000000000" pitchFamily="49" charset="0"/>
+              </a:rPr>
+            </a:br>
+            <a:r>
+              <a:rPr kumimoji="0" lang="zh-TW" altLang="zh-TW" sz="1600" b="0" i="0" u="none" strike="noStrike" cap="none" normalizeH="0" baseline="0">
+                <a:ln>
+                  <a:noFill/>
+                </a:ln>
+                <a:solidFill>
+                  <a:srgbClr val="BCBEC4"/>
+                </a:solidFill>
+                <a:effectLst/>
+                <a:latin typeface="+mj-lt"/>
+                <a:cs typeface="JetBrains Mono" panose="02000009000000000000" pitchFamily="49" charset="0"/>
+              </a:rPr>
+              <a:t>    }</a:t>
+            </a:r>
+            <a:br>
+              <a:rPr kumimoji="0" lang="zh-TW" altLang="zh-TW" sz="1600" b="0" i="0" u="none" strike="noStrike" cap="none" normalizeH="0" baseline="0">
+                <a:ln>
+                  <a:noFill/>
+                </a:ln>
+                <a:solidFill>
+                  <a:srgbClr val="BCBEC4"/>
+                </a:solidFill>
+                <a:effectLst/>
+                <a:latin typeface="+mj-lt"/>
+                <a:cs typeface="JetBrains Mono" panose="02000009000000000000" pitchFamily="49" charset="0"/>
+              </a:rPr>
+            </a:br>
+            <a:r>
+              <a:rPr kumimoji="0" lang="zh-TW" altLang="zh-TW" sz="1600" b="0" i="0" u="none" strike="noStrike" cap="none" normalizeH="0" baseline="0">
+                <a:ln>
+                  <a:noFill/>
+                </a:ln>
+                <a:solidFill>
+                  <a:srgbClr val="BCBEC4"/>
+                </a:solidFill>
+                <a:effectLst/>
+                <a:latin typeface="+mj-lt"/>
+                <a:cs typeface="JetBrains Mono" panose="02000009000000000000" pitchFamily="49" charset="0"/>
+              </a:rPr>
+              <a:t>}</a:t>
+            </a:r>
+            <a:endParaRPr kumimoji="0" lang="zh-TW" altLang="zh-TW" sz="2000" b="0" i="0" u="none" strike="noStrike" cap="none" normalizeH="0" baseline="0">
+              <a:ln>
+                <a:noFill/>
+              </a:ln>
+              <a:solidFill>
+                <a:schemeClr val="tx1"/>
+              </a:solidFill>
+              <a:effectLst/>
+              <a:latin typeface="+mj-lt"/>
+            </a:endParaRPr>
+          </a:p>
+        </p:txBody>
+      </p:sp>
+    </p:spTree>
+    <p:extLst>
+      <p:ext uri="{BB962C8B-B14F-4D97-AF65-F5344CB8AC3E}">
+        <p14:creationId xmlns:p14="http://schemas.microsoft.com/office/powerpoint/2010/main" val="1617355042"/>
+      </p:ext>
+    </p:extLst>
+  </p:cSld>
+  <p:clrMapOvr>
+    <a:masterClrMapping/>
+  </p:clrMapOvr>
+  <p:transition spd="slow">
+    <p:push dir="u"/>
+  </p:transition>
+</p:sld>
+</file>
+
+<file path=ppt/slides/slide7.xml><?xml version="1.0" encoding="utf-8"?>
+<p:sld xmlns:a="http://schemas.openxmlformats.org/drawingml/2006/main" xmlns:r="http://schemas.openxmlformats.org/officeDocument/2006/relationships" xmlns:p="http://schemas.openxmlformats.org/presentationml/2006/main">
+  <p:cSld>
+    <p:spTree>
+      <p:nvGrpSpPr>
+        <p:cNvPr id="1" name=""/>
+        <p:cNvGrpSpPr/>
+        <p:nvPr/>
+      </p:nvGrpSpPr>
+      <p:grpSpPr>
+        <a:xfrm>
+          <a:off x="0" y="0"/>
+          <a:ext cx="0" cy="0"/>
+          <a:chOff x="0" y="0"/>
+          <a:chExt cx="0" cy="0"/>
+        </a:xfrm>
+      </p:grpSpPr>
+      <p:sp>
+        <p:nvSpPr>
+          <p:cNvPr id="2" name="標題 1">
+            <a:extLst>
+              <a:ext uri="{FF2B5EF4-FFF2-40B4-BE49-F238E27FC236}">
+                <a16:creationId xmlns:a16="http://schemas.microsoft.com/office/drawing/2014/main" id="{8DE63B8C-63AE-4AB0-ACDC-C9DB0A2805D9}"/>
+              </a:ext>
+            </a:extLst>
+          </p:cNvPr>
+          <p:cNvSpPr>
+            <a:spLocks noGrp="1"/>
+          </p:cNvSpPr>
+          <p:nvPr>
+            <p:ph type="title"/>
+          </p:nvPr>
+        </p:nvSpPr>
+        <p:spPr/>
+        <p:txBody>
+          <a:bodyPr/>
+          <a:lstStyle/>
+          <a:p>
+            <a:r>
+              <a:rPr lang="en-US" altLang="zh-TW"/>
+              <a:t>005</a:t>
+            </a:r>
+            <a:endParaRPr lang="zh-TW" altLang="en-US"/>
+          </a:p>
+        </p:txBody>
+      </p:sp>
+      <p:sp>
+        <p:nvSpPr>
+          <p:cNvPr id="3" name="內容版面配置區 2">
+            <a:extLst>
+              <a:ext uri="{FF2B5EF4-FFF2-40B4-BE49-F238E27FC236}">
+                <a16:creationId xmlns:a16="http://schemas.microsoft.com/office/drawing/2014/main" id="{6FD9D32C-F203-49AD-979C-852152B876DD}"/>
+              </a:ext>
+            </a:extLst>
+          </p:cNvPr>
+          <p:cNvSpPr>
+            <a:spLocks noGrp="1"/>
+          </p:cNvSpPr>
+          <p:nvPr>
+            <p:ph idx="1"/>
+          </p:nvPr>
+        </p:nvSpPr>
+        <p:spPr/>
+        <p:txBody>
+          <a:bodyPr/>
+          <a:lstStyle/>
+          <a:p>
+            <a:endParaRPr lang="zh-TW" altLang="en-US"/>
+          </a:p>
+        </p:txBody>
+      </p:sp>
+    </p:spTree>
+    <p:extLst>
+      <p:ext uri="{BB962C8B-B14F-4D97-AF65-F5344CB8AC3E}">
+        <p14:creationId xmlns:p14="http://schemas.microsoft.com/office/powerpoint/2010/main" val="1662925558"/>
       </p:ext>
     </p:extLst>
   </p:cSld>
